--- a/MS PPT Facial recognition.pptx
+++ b/MS PPT Facial recognition.pptx
@@ -12,21 +12,29 @@
     <p:sldId id="257" r:id="rId7"/>
     <p:sldId id="258" r:id="rId8"/>
     <p:sldId id="259" r:id="rId9"/>
+    <p:sldId id="260" r:id="rId10"/>
+    <p:sldId id="261" r:id="rId11"/>
+    <p:sldId id="262" r:id="rId12"/>
+    <p:sldId id="263" r:id="rId13"/>
+    <p:sldId id="264" r:id="rId14"/>
+    <p:sldId id="265" r:id="rId15"/>
+    <p:sldId id="266" r:id="rId16"/>
+    <p:sldId id="267" r:id="rId17"/>
   </p:sldIdLst>
   <p:sldSz cy="5143500" cx="9144000"/>
   <p:notesSz cx="6858000" cy="9144000"/>
   <p:embeddedFontLst>
     <p:embeddedFont>
       <p:font typeface="Nunito"/>
-      <p:regular r:id="rId10"/>
-      <p:bold r:id="rId11"/>
-      <p:italic r:id="rId12"/>
-      <p:boldItalic r:id="rId13"/>
+      <p:regular r:id="rId18"/>
+      <p:bold r:id="rId19"/>
+      <p:italic r:id="rId20"/>
+      <p:boldItalic r:id="rId21"/>
     </p:embeddedFont>
     <p:embeddedFont>
       <p:font typeface="Maven Pro"/>
-      <p:regular r:id="rId14"/>
-      <p:bold r:id="rId15"/>
+      <p:regular r:id="rId22"/>
+      <p:bold r:id="rId23"/>
     </p:embeddedFont>
   </p:embeddedFontLst>
   <p:defaultTextStyle>
@@ -798,6 +806,300 @@
 </p:notes>
 </file>
 
+<file path=ppt/notesSlides/notesSlide10.xml><?xml version="1.0" encoding="utf-8"?>
+<p:notes xmlns:a="http://schemas.openxmlformats.org/drawingml/2006/main" xmlns:r="http://schemas.openxmlformats.org/officeDocument/2006/relationships" xmlns:mc="http://schemas.openxmlformats.org/markup-compatibility/2006" xmlns:mv="urn:schemas-microsoft-com:mac:vml" xmlns:p="http://schemas.openxmlformats.org/presentationml/2006/main" xmlns:c="http://schemas.openxmlformats.org/drawingml/2006/chart" xmlns:dgm="http://schemas.openxmlformats.org/drawingml/2006/diagram" xmlns:o="urn:schemas-microsoft-com:office:office" xmlns:v="urn:schemas-microsoft-com:vml" xmlns:pvml="urn:schemas-microsoft-com:office:powerpoint" xmlns:com="http://schemas.openxmlformats.org/drawingml/2006/compatibility" xmlns:p14="http://schemas.microsoft.com/office/powerpoint/2010/main" xmlns:p15="http://schemas.microsoft.com/office/powerpoint/2012/main" showMasterPhAnim="0" showMasterSp="0">
+  <p:cSld>
+    <p:spTree>
+      <p:nvGrpSpPr>
+        <p:cNvPr id="333" name="Shape 333"/>
+        <p:cNvGrpSpPr/>
+        <p:nvPr/>
+      </p:nvGrpSpPr>
+      <p:grpSpPr>
+        <a:xfrm>
+          <a:off x="0" y="0"/>
+          <a:ext cx="0" cy="0"/>
+          <a:chOff x="0" y="0"/>
+          <a:chExt cx="0" cy="0"/>
+        </a:xfrm>
+      </p:grpSpPr>
+      <p:sp>
+        <p:nvSpPr>
+          <p:cNvPr id="334" name="Shape 334"/>
+          <p:cNvSpPr/>
+          <p:nvPr>
+            <p:ph idx="2" type="sldImg"/>
+          </p:nvPr>
+        </p:nvSpPr>
+        <p:spPr>
+          <a:xfrm>
+            <a:off x="381300" y="685800"/>
+            <a:ext cx="6096000" cy="3429000"/>
+          </a:xfrm>
+          <a:custGeom>
+            <a:pathLst>
+              <a:path extrusionOk="0" h="120000" w="120000">
+                <a:moveTo>
+                  <a:pt x="0" y="0"/>
+                </a:moveTo>
+                <a:lnTo>
+                  <a:pt x="120000" y="0"/>
+                </a:lnTo>
+                <a:lnTo>
+                  <a:pt x="120000" y="120000"/>
+                </a:lnTo>
+                <a:lnTo>
+                  <a:pt x="0" y="120000"/>
+                </a:lnTo>
+                <a:close/>
+              </a:path>
+            </a:pathLst>
+          </a:custGeom>
+        </p:spPr>
+      </p:sp>
+      <p:sp>
+        <p:nvSpPr>
+          <p:cNvPr id="335" name="Shape 335"/>
+          <p:cNvSpPr txBox="1"/>
+          <p:nvPr>
+            <p:ph idx="1" type="body"/>
+          </p:nvPr>
+        </p:nvSpPr>
+        <p:spPr>
+          <a:xfrm>
+            <a:off x="685800" y="4343400"/>
+            <a:ext cx="5486400" cy="4114800"/>
+          </a:xfrm>
+          <a:prstGeom prst="rect">
+            <a:avLst/>
+          </a:prstGeom>
+        </p:spPr>
+        <p:txBody>
+          <a:bodyPr anchorCtr="0" anchor="t" bIns="91425" lIns="91425" spcFirstLastPara="1" rIns="91425" wrap="square" tIns="91425">
+            <a:noAutofit/>
+          </a:bodyPr>
+          <a:lstStyle/>
+          <a:p>
+            <a:pPr indent="0" lvl="0" marL="0">
+              <a:spcBef>
+                <a:spcPts val="0"/>
+              </a:spcBef>
+              <a:spcAft>
+                <a:spcPts val="0"/>
+              </a:spcAft>
+              <a:buNone/>
+            </a:pPr>
+            <a:r>
+              <a:t/>
+            </a:r>
+            <a:endParaRPr/>
+          </a:p>
+        </p:txBody>
+      </p:sp>
+    </p:spTree>
+  </p:cSld>
+  <p:clrMapOvr>
+    <a:masterClrMapping/>
+  </p:clrMapOvr>
+</p:notes>
+</file>
+
+<file path=ppt/notesSlides/notesSlide11.xml><?xml version="1.0" encoding="utf-8"?>
+<p:notes xmlns:a="http://schemas.openxmlformats.org/drawingml/2006/main" xmlns:r="http://schemas.openxmlformats.org/officeDocument/2006/relationships" xmlns:mc="http://schemas.openxmlformats.org/markup-compatibility/2006" xmlns:mv="urn:schemas-microsoft-com:mac:vml" xmlns:p="http://schemas.openxmlformats.org/presentationml/2006/main" xmlns:c="http://schemas.openxmlformats.org/drawingml/2006/chart" xmlns:dgm="http://schemas.openxmlformats.org/drawingml/2006/diagram" xmlns:o="urn:schemas-microsoft-com:office:office" xmlns:v="urn:schemas-microsoft-com:vml" xmlns:pvml="urn:schemas-microsoft-com:office:powerpoint" xmlns:com="http://schemas.openxmlformats.org/drawingml/2006/compatibility" xmlns:p14="http://schemas.microsoft.com/office/powerpoint/2010/main" xmlns:p15="http://schemas.microsoft.com/office/powerpoint/2012/main" showMasterPhAnim="0" showMasterSp="0">
+  <p:cSld>
+    <p:spTree>
+      <p:nvGrpSpPr>
+        <p:cNvPr id="339" name="Shape 339"/>
+        <p:cNvGrpSpPr/>
+        <p:nvPr/>
+      </p:nvGrpSpPr>
+      <p:grpSpPr>
+        <a:xfrm>
+          <a:off x="0" y="0"/>
+          <a:ext cx="0" cy="0"/>
+          <a:chOff x="0" y="0"/>
+          <a:chExt cx="0" cy="0"/>
+        </a:xfrm>
+      </p:grpSpPr>
+      <p:sp>
+        <p:nvSpPr>
+          <p:cNvPr id="340" name="Shape 340"/>
+          <p:cNvSpPr/>
+          <p:nvPr>
+            <p:ph idx="2" type="sldImg"/>
+          </p:nvPr>
+        </p:nvSpPr>
+        <p:spPr>
+          <a:xfrm>
+            <a:off x="381300" y="685800"/>
+            <a:ext cx="6096000" cy="3429000"/>
+          </a:xfrm>
+          <a:custGeom>
+            <a:pathLst>
+              <a:path extrusionOk="0" h="120000" w="120000">
+                <a:moveTo>
+                  <a:pt x="0" y="0"/>
+                </a:moveTo>
+                <a:lnTo>
+                  <a:pt x="120000" y="0"/>
+                </a:lnTo>
+                <a:lnTo>
+                  <a:pt x="120000" y="120000"/>
+                </a:lnTo>
+                <a:lnTo>
+                  <a:pt x="0" y="120000"/>
+                </a:lnTo>
+                <a:close/>
+              </a:path>
+            </a:pathLst>
+          </a:custGeom>
+        </p:spPr>
+      </p:sp>
+      <p:sp>
+        <p:nvSpPr>
+          <p:cNvPr id="341" name="Shape 341"/>
+          <p:cNvSpPr txBox="1"/>
+          <p:nvPr>
+            <p:ph idx="1" type="body"/>
+          </p:nvPr>
+        </p:nvSpPr>
+        <p:spPr>
+          <a:xfrm>
+            <a:off x="685800" y="4343400"/>
+            <a:ext cx="5486400" cy="4114800"/>
+          </a:xfrm>
+          <a:prstGeom prst="rect">
+            <a:avLst/>
+          </a:prstGeom>
+        </p:spPr>
+        <p:txBody>
+          <a:bodyPr anchorCtr="0" anchor="t" bIns="91425" lIns="91425" spcFirstLastPara="1" rIns="91425" wrap="square" tIns="91425">
+            <a:noAutofit/>
+          </a:bodyPr>
+          <a:lstStyle/>
+          <a:p>
+            <a:pPr indent="0" lvl="0" marL="0">
+              <a:spcBef>
+                <a:spcPts val="0"/>
+              </a:spcBef>
+              <a:spcAft>
+                <a:spcPts val="0"/>
+              </a:spcAft>
+              <a:buNone/>
+            </a:pPr>
+            <a:r>
+              <a:t/>
+            </a:r>
+            <a:endParaRPr/>
+          </a:p>
+        </p:txBody>
+      </p:sp>
+    </p:spTree>
+  </p:cSld>
+  <p:clrMapOvr>
+    <a:masterClrMapping/>
+  </p:clrMapOvr>
+</p:notes>
+</file>
+
+<file path=ppt/notesSlides/notesSlide12.xml><?xml version="1.0" encoding="utf-8"?>
+<p:notes xmlns:a="http://schemas.openxmlformats.org/drawingml/2006/main" xmlns:r="http://schemas.openxmlformats.org/officeDocument/2006/relationships" xmlns:mc="http://schemas.openxmlformats.org/markup-compatibility/2006" xmlns:mv="urn:schemas-microsoft-com:mac:vml" xmlns:p="http://schemas.openxmlformats.org/presentationml/2006/main" xmlns:c="http://schemas.openxmlformats.org/drawingml/2006/chart" xmlns:dgm="http://schemas.openxmlformats.org/drawingml/2006/diagram" xmlns:o="urn:schemas-microsoft-com:office:office" xmlns:v="urn:schemas-microsoft-com:vml" xmlns:pvml="urn:schemas-microsoft-com:office:powerpoint" xmlns:com="http://schemas.openxmlformats.org/drawingml/2006/compatibility" xmlns:p14="http://schemas.microsoft.com/office/powerpoint/2010/main" xmlns:p15="http://schemas.microsoft.com/office/powerpoint/2012/main" showMasterPhAnim="0" showMasterSp="0">
+  <p:cSld>
+    <p:spTree>
+      <p:nvGrpSpPr>
+        <p:cNvPr id="345" name="Shape 345"/>
+        <p:cNvGrpSpPr/>
+        <p:nvPr/>
+      </p:nvGrpSpPr>
+      <p:grpSpPr>
+        <a:xfrm>
+          <a:off x="0" y="0"/>
+          <a:ext cx="0" cy="0"/>
+          <a:chOff x="0" y="0"/>
+          <a:chExt cx="0" cy="0"/>
+        </a:xfrm>
+      </p:grpSpPr>
+      <p:sp>
+        <p:nvSpPr>
+          <p:cNvPr id="346" name="Shape 346"/>
+          <p:cNvSpPr/>
+          <p:nvPr>
+            <p:ph idx="2" type="sldImg"/>
+          </p:nvPr>
+        </p:nvSpPr>
+        <p:spPr>
+          <a:xfrm>
+            <a:off x="381300" y="685800"/>
+            <a:ext cx="6096000" cy="3429000"/>
+          </a:xfrm>
+          <a:custGeom>
+            <a:pathLst>
+              <a:path extrusionOk="0" h="120000" w="120000">
+                <a:moveTo>
+                  <a:pt x="0" y="0"/>
+                </a:moveTo>
+                <a:lnTo>
+                  <a:pt x="120000" y="0"/>
+                </a:lnTo>
+                <a:lnTo>
+                  <a:pt x="120000" y="120000"/>
+                </a:lnTo>
+                <a:lnTo>
+                  <a:pt x="0" y="120000"/>
+                </a:lnTo>
+                <a:close/>
+              </a:path>
+            </a:pathLst>
+          </a:custGeom>
+        </p:spPr>
+      </p:sp>
+      <p:sp>
+        <p:nvSpPr>
+          <p:cNvPr id="347" name="Shape 347"/>
+          <p:cNvSpPr txBox="1"/>
+          <p:nvPr>
+            <p:ph idx="1" type="body"/>
+          </p:nvPr>
+        </p:nvSpPr>
+        <p:spPr>
+          <a:xfrm>
+            <a:off x="685800" y="4343400"/>
+            <a:ext cx="5486400" cy="4114800"/>
+          </a:xfrm>
+          <a:prstGeom prst="rect">
+            <a:avLst/>
+          </a:prstGeom>
+        </p:spPr>
+        <p:txBody>
+          <a:bodyPr anchorCtr="0" anchor="t" bIns="91425" lIns="91425" spcFirstLastPara="1" rIns="91425" wrap="square" tIns="91425">
+            <a:noAutofit/>
+          </a:bodyPr>
+          <a:lstStyle/>
+          <a:p>
+            <a:pPr indent="0" lvl="0" marL="0">
+              <a:spcBef>
+                <a:spcPts val="0"/>
+              </a:spcBef>
+              <a:spcAft>
+                <a:spcPts val="0"/>
+              </a:spcAft>
+              <a:buNone/>
+            </a:pPr>
+            <a:r>
+              <a:t/>
+            </a:r>
+            <a:endParaRPr/>
+          </a:p>
+        </p:txBody>
+      </p:sp>
+    </p:spTree>
+  </p:cSld>
+  <p:clrMapOvr>
+    <a:masterClrMapping/>
+  </p:clrMapOvr>
+</p:notes>
+</file>
+
 <file path=ppt/notesSlides/notesSlide2.xml><?xml version="1.0" encoding="utf-8"?>
 <p:notes xmlns:a="http://schemas.openxmlformats.org/drawingml/2006/main" xmlns:r="http://schemas.openxmlformats.org/officeDocument/2006/relationships" xmlns:mc="http://schemas.openxmlformats.org/markup-compatibility/2006" xmlns:mv="urn:schemas-microsoft-com:mac:vml" xmlns:p="http://schemas.openxmlformats.org/presentationml/2006/main" xmlns:c="http://schemas.openxmlformats.org/drawingml/2006/chart" xmlns:dgm="http://schemas.openxmlformats.org/drawingml/2006/diagram" xmlns:o="urn:schemas-microsoft-com:office:office" xmlns:v="urn:schemas-microsoft-com:vml" xmlns:pvml="urn:schemas-microsoft-com:office:powerpoint" xmlns:com="http://schemas.openxmlformats.org/drawingml/2006/compatibility" xmlns:p14="http://schemas.microsoft.com/office/powerpoint/2010/main" xmlns:p15="http://schemas.microsoft.com/office/powerpoint/2012/main" showMasterPhAnim="0" showMasterSp="0">
   <p:cSld>
@@ -1048,6 +1350,496 @@
       <p:sp>
         <p:nvSpPr>
           <p:cNvPr id="292" name="Shape 292"/>
+          <p:cNvSpPr txBox="1"/>
+          <p:nvPr>
+            <p:ph idx="1" type="body"/>
+          </p:nvPr>
+        </p:nvSpPr>
+        <p:spPr>
+          <a:xfrm>
+            <a:off x="685800" y="4343400"/>
+            <a:ext cx="5486400" cy="4114800"/>
+          </a:xfrm>
+          <a:prstGeom prst="rect">
+            <a:avLst/>
+          </a:prstGeom>
+        </p:spPr>
+        <p:txBody>
+          <a:bodyPr anchorCtr="0" anchor="t" bIns="91425" lIns="91425" spcFirstLastPara="1" rIns="91425" wrap="square" tIns="91425">
+            <a:noAutofit/>
+          </a:bodyPr>
+          <a:lstStyle/>
+          <a:p>
+            <a:pPr indent="0" lvl="0" marL="0">
+              <a:spcBef>
+                <a:spcPts val="0"/>
+              </a:spcBef>
+              <a:spcAft>
+                <a:spcPts val="0"/>
+              </a:spcAft>
+              <a:buNone/>
+            </a:pPr>
+            <a:r>
+              <a:t/>
+            </a:r>
+            <a:endParaRPr/>
+          </a:p>
+        </p:txBody>
+      </p:sp>
+    </p:spTree>
+  </p:cSld>
+  <p:clrMapOvr>
+    <a:masterClrMapping/>
+  </p:clrMapOvr>
+</p:notes>
+</file>
+
+<file path=ppt/notesSlides/notesSlide5.xml><?xml version="1.0" encoding="utf-8"?>
+<p:notes xmlns:a="http://schemas.openxmlformats.org/drawingml/2006/main" xmlns:r="http://schemas.openxmlformats.org/officeDocument/2006/relationships" xmlns:mc="http://schemas.openxmlformats.org/markup-compatibility/2006" xmlns:mv="urn:schemas-microsoft-com:mac:vml" xmlns:p="http://schemas.openxmlformats.org/presentationml/2006/main" xmlns:c="http://schemas.openxmlformats.org/drawingml/2006/chart" xmlns:dgm="http://schemas.openxmlformats.org/drawingml/2006/diagram" xmlns:o="urn:schemas-microsoft-com:office:office" xmlns:v="urn:schemas-microsoft-com:vml" xmlns:pvml="urn:schemas-microsoft-com:office:powerpoint" xmlns:com="http://schemas.openxmlformats.org/drawingml/2006/compatibility" xmlns:p14="http://schemas.microsoft.com/office/powerpoint/2010/main" xmlns:p15="http://schemas.microsoft.com/office/powerpoint/2012/main" showMasterPhAnim="0" showMasterSp="0">
+  <p:cSld>
+    <p:spTree>
+      <p:nvGrpSpPr>
+        <p:cNvPr id="296" name="Shape 296"/>
+        <p:cNvGrpSpPr/>
+        <p:nvPr/>
+      </p:nvGrpSpPr>
+      <p:grpSpPr>
+        <a:xfrm>
+          <a:off x="0" y="0"/>
+          <a:ext cx="0" cy="0"/>
+          <a:chOff x="0" y="0"/>
+          <a:chExt cx="0" cy="0"/>
+        </a:xfrm>
+      </p:grpSpPr>
+      <p:sp>
+        <p:nvSpPr>
+          <p:cNvPr id="297" name="Shape 297"/>
+          <p:cNvSpPr/>
+          <p:nvPr>
+            <p:ph idx="2" type="sldImg"/>
+          </p:nvPr>
+        </p:nvSpPr>
+        <p:spPr>
+          <a:xfrm>
+            <a:off x="381300" y="685800"/>
+            <a:ext cx="6096000" cy="3429000"/>
+          </a:xfrm>
+          <a:custGeom>
+            <a:pathLst>
+              <a:path extrusionOk="0" h="120000" w="120000">
+                <a:moveTo>
+                  <a:pt x="0" y="0"/>
+                </a:moveTo>
+                <a:lnTo>
+                  <a:pt x="120000" y="0"/>
+                </a:lnTo>
+                <a:lnTo>
+                  <a:pt x="120000" y="120000"/>
+                </a:lnTo>
+                <a:lnTo>
+                  <a:pt x="0" y="120000"/>
+                </a:lnTo>
+                <a:close/>
+              </a:path>
+            </a:pathLst>
+          </a:custGeom>
+        </p:spPr>
+      </p:sp>
+      <p:sp>
+        <p:nvSpPr>
+          <p:cNvPr id="298" name="Shape 298"/>
+          <p:cNvSpPr txBox="1"/>
+          <p:nvPr>
+            <p:ph idx="1" type="body"/>
+          </p:nvPr>
+        </p:nvSpPr>
+        <p:spPr>
+          <a:xfrm>
+            <a:off x="685800" y="4343400"/>
+            <a:ext cx="5486400" cy="4114800"/>
+          </a:xfrm>
+          <a:prstGeom prst="rect">
+            <a:avLst/>
+          </a:prstGeom>
+        </p:spPr>
+        <p:txBody>
+          <a:bodyPr anchorCtr="0" anchor="t" bIns="91425" lIns="91425" spcFirstLastPara="1" rIns="91425" wrap="square" tIns="91425">
+            <a:noAutofit/>
+          </a:bodyPr>
+          <a:lstStyle/>
+          <a:p>
+            <a:pPr indent="0" lvl="0" marL="0">
+              <a:spcBef>
+                <a:spcPts val="0"/>
+              </a:spcBef>
+              <a:spcAft>
+                <a:spcPts val="0"/>
+              </a:spcAft>
+              <a:buNone/>
+            </a:pPr>
+            <a:r>
+              <a:t/>
+            </a:r>
+            <a:endParaRPr/>
+          </a:p>
+        </p:txBody>
+      </p:sp>
+    </p:spTree>
+  </p:cSld>
+  <p:clrMapOvr>
+    <a:masterClrMapping/>
+  </p:clrMapOvr>
+</p:notes>
+</file>
+
+<file path=ppt/notesSlides/notesSlide6.xml><?xml version="1.0" encoding="utf-8"?>
+<p:notes xmlns:a="http://schemas.openxmlformats.org/drawingml/2006/main" xmlns:r="http://schemas.openxmlformats.org/officeDocument/2006/relationships" xmlns:mc="http://schemas.openxmlformats.org/markup-compatibility/2006" xmlns:mv="urn:schemas-microsoft-com:mac:vml" xmlns:p="http://schemas.openxmlformats.org/presentationml/2006/main" xmlns:c="http://schemas.openxmlformats.org/drawingml/2006/chart" xmlns:dgm="http://schemas.openxmlformats.org/drawingml/2006/diagram" xmlns:o="urn:schemas-microsoft-com:office:office" xmlns:v="urn:schemas-microsoft-com:vml" xmlns:pvml="urn:schemas-microsoft-com:office:powerpoint" xmlns:com="http://schemas.openxmlformats.org/drawingml/2006/compatibility" xmlns:p14="http://schemas.microsoft.com/office/powerpoint/2010/main" xmlns:p15="http://schemas.microsoft.com/office/powerpoint/2012/main" showMasterPhAnim="0" showMasterSp="0">
+  <p:cSld>
+    <p:spTree>
+      <p:nvGrpSpPr>
+        <p:cNvPr id="302" name="Shape 302"/>
+        <p:cNvGrpSpPr/>
+        <p:nvPr/>
+      </p:nvGrpSpPr>
+      <p:grpSpPr>
+        <a:xfrm>
+          <a:off x="0" y="0"/>
+          <a:ext cx="0" cy="0"/>
+          <a:chOff x="0" y="0"/>
+          <a:chExt cx="0" cy="0"/>
+        </a:xfrm>
+      </p:grpSpPr>
+      <p:sp>
+        <p:nvSpPr>
+          <p:cNvPr id="303" name="Shape 303"/>
+          <p:cNvSpPr/>
+          <p:nvPr>
+            <p:ph idx="2" type="sldImg"/>
+          </p:nvPr>
+        </p:nvSpPr>
+        <p:spPr>
+          <a:xfrm>
+            <a:off x="381300" y="685800"/>
+            <a:ext cx="6096000" cy="3429000"/>
+          </a:xfrm>
+          <a:custGeom>
+            <a:pathLst>
+              <a:path extrusionOk="0" h="120000" w="120000">
+                <a:moveTo>
+                  <a:pt x="0" y="0"/>
+                </a:moveTo>
+                <a:lnTo>
+                  <a:pt x="120000" y="0"/>
+                </a:lnTo>
+                <a:lnTo>
+                  <a:pt x="120000" y="120000"/>
+                </a:lnTo>
+                <a:lnTo>
+                  <a:pt x="0" y="120000"/>
+                </a:lnTo>
+                <a:close/>
+              </a:path>
+            </a:pathLst>
+          </a:custGeom>
+        </p:spPr>
+      </p:sp>
+      <p:sp>
+        <p:nvSpPr>
+          <p:cNvPr id="304" name="Shape 304"/>
+          <p:cNvSpPr txBox="1"/>
+          <p:nvPr>
+            <p:ph idx="1" type="body"/>
+          </p:nvPr>
+        </p:nvSpPr>
+        <p:spPr>
+          <a:xfrm>
+            <a:off x="685800" y="4343400"/>
+            <a:ext cx="5486400" cy="4114800"/>
+          </a:xfrm>
+          <a:prstGeom prst="rect">
+            <a:avLst/>
+          </a:prstGeom>
+        </p:spPr>
+        <p:txBody>
+          <a:bodyPr anchorCtr="0" anchor="t" bIns="91425" lIns="91425" spcFirstLastPara="1" rIns="91425" wrap="square" tIns="91425">
+            <a:noAutofit/>
+          </a:bodyPr>
+          <a:lstStyle/>
+          <a:p>
+            <a:pPr indent="0" lvl="0" marL="0">
+              <a:spcBef>
+                <a:spcPts val="0"/>
+              </a:spcBef>
+              <a:spcAft>
+                <a:spcPts val="0"/>
+              </a:spcAft>
+              <a:buNone/>
+            </a:pPr>
+            <a:r>
+              <a:t/>
+            </a:r>
+            <a:endParaRPr/>
+          </a:p>
+        </p:txBody>
+      </p:sp>
+    </p:spTree>
+  </p:cSld>
+  <p:clrMapOvr>
+    <a:masterClrMapping/>
+  </p:clrMapOvr>
+</p:notes>
+</file>
+
+<file path=ppt/notesSlides/notesSlide7.xml><?xml version="1.0" encoding="utf-8"?>
+<p:notes xmlns:a="http://schemas.openxmlformats.org/drawingml/2006/main" xmlns:r="http://schemas.openxmlformats.org/officeDocument/2006/relationships" xmlns:mc="http://schemas.openxmlformats.org/markup-compatibility/2006" xmlns:mv="urn:schemas-microsoft-com:mac:vml" xmlns:p="http://schemas.openxmlformats.org/presentationml/2006/main" xmlns:c="http://schemas.openxmlformats.org/drawingml/2006/chart" xmlns:dgm="http://schemas.openxmlformats.org/drawingml/2006/diagram" xmlns:o="urn:schemas-microsoft-com:office:office" xmlns:v="urn:schemas-microsoft-com:vml" xmlns:pvml="urn:schemas-microsoft-com:office:powerpoint" xmlns:com="http://schemas.openxmlformats.org/drawingml/2006/compatibility" xmlns:p14="http://schemas.microsoft.com/office/powerpoint/2010/main" xmlns:p15="http://schemas.microsoft.com/office/powerpoint/2012/main" showMasterPhAnim="0" showMasterSp="0">
+  <p:cSld>
+    <p:spTree>
+      <p:nvGrpSpPr>
+        <p:cNvPr id="316" name="Shape 316"/>
+        <p:cNvGrpSpPr/>
+        <p:nvPr/>
+      </p:nvGrpSpPr>
+      <p:grpSpPr>
+        <a:xfrm>
+          <a:off x="0" y="0"/>
+          <a:ext cx="0" cy="0"/>
+          <a:chOff x="0" y="0"/>
+          <a:chExt cx="0" cy="0"/>
+        </a:xfrm>
+      </p:grpSpPr>
+      <p:sp>
+        <p:nvSpPr>
+          <p:cNvPr id="317" name="Shape 317"/>
+          <p:cNvSpPr/>
+          <p:nvPr>
+            <p:ph idx="2" type="sldImg"/>
+          </p:nvPr>
+        </p:nvSpPr>
+        <p:spPr>
+          <a:xfrm>
+            <a:off x="381300" y="685800"/>
+            <a:ext cx="6096000" cy="3429000"/>
+          </a:xfrm>
+          <a:custGeom>
+            <a:pathLst>
+              <a:path extrusionOk="0" h="120000" w="120000">
+                <a:moveTo>
+                  <a:pt x="0" y="0"/>
+                </a:moveTo>
+                <a:lnTo>
+                  <a:pt x="120000" y="0"/>
+                </a:lnTo>
+                <a:lnTo>
+                  <a:pt x="120000" y="120000"/>
+                </a:lnTo>
+                <a:lnTo>
+                  <a:pt x="0" y="120000"/>
+                </a:lnTo>
+                <a:close/>
+              </a:path>
+            </a:pathLst>
+          </a:custGeom>
+        </p:spPr>
+      </p:sp>
+      <p:sp>
+        <p:nvSpPr>
+          <p:cNvPr id="318" name="Shape 318"/>
+          <p:cNvSpPr txBox="1"/>
+          <p:nvPr>
+            <p:ph idx="1" type="body"/>
+          </p:nvPr>
+        </p:nvSpPr>
+        <p:spPr>
+          <a:xfrm>
+            <a:off x="685800" y="4343400"/>
+            <a:ext cx="5486400" cy="4114800"/>
+          </a:xfrm>
+          <a:prstGeom prst="rect">
+            <a:avLst/>
+          </a:prstGeom>
+        </p:spPr>
+        <p:txBody>
+          <a:bodyPr anchorCtr="0" anchor="t" bIns="91425" lIns="91425" spcFirstLastPara="1" rIns="91425" wrap="square" tIns="91425">
+            <a:noAutofit/>
+          </a:bodyPr>
+          <a:lstStyle/>
+          <a:p>
+            <a:pPr indent="0" lvl="0" marL="0">
+              <a:spcBef>
+                <a:spcPts val="0"/>
+              </a:spcBef>
+              <a:spcAft>
+                <a:spcPts val="0"/>
+              </a:spcAft>
+              <a:buNone/>
+            </a:pPr>
+            <a:r>
+              <a:t/>
+            </a:r>
+            <a:endParaRPr/>
+          </a:p>
+        </p:txBody>
+      </p:sp>
+    </p:spTree>
+  </p:cSld>
+  <p:clrMapOvr>
+    <a:masterClrMapping/>
+  </p:clrMapOvr>
+</p:notes>
+</file>
+
+<file path=ppt/notesSlides/notesSlide8.xml><?xml version="1.0" encoding="utf-8"?>
+<p:notes xmlns:a="http://schemas.openxmlformats.org/drawingml/2006/main" xmlns:r="http://schemas.openxmlformats.org/officeDocument/2006/relationships" xmlns:mc="http://schemas.openxmlformats.org/markup-compatibility/2006" xmlns:mv="urn:schemas-microsoft-com:mac:vml" xmlns:p="http://schemas.openxmlformats.org/presentationml/2006/main" xmlns:c="http://schemas.openxmlformats.org/drawingml/2006/chart" xmlns:dgm="http://schemas.openxmlformats.org/drawingml/2006/diagram" xmlns:o="urn:schemas-microsoft-com:office:office" xmlns:v="urn:schemas-microsoft-com:vml" xmlns:pvml="urn:schemas-microsoft-com:office:powerpoint" xmlns:com="http://schemas.openxmlformats.org/drawingml/2006/compatibility" xmlns:p14="http://schemas.microsoft.com/office/powerpoint/2010/main" xmlns:p15="http://schemas.microsoft.com/office/powerpoint/2012/main" showMasterPhAnim="0" showMasterSp="0">
+  <p:cSld>
+    <p:spTree>
+      <p:nvGrpSpPr>
+        <p:cNvPr id="321" name="Shape 321"/>
+        <p:cNvGrpSpPr/>
+        <p:nvPr/>
+      </p:nvGrpSpPr>
+      <p:grpSpPr>
+        <a:xfrm>
+          <a:off x="0" y="0"/>
+          <a:ext cx="0" cy="0"/>
+          <a:chOff x="0" y="0"/>
+          <a:chExt cx="0" cy="0"/>
+        </a:xfrm>
+      </p:grpSpPr>
+      <p:sp>
+        <p:nvSpPr>
+          <p:cNvPr id="322" name="Shape 322"/>
+          <p:cNvSpPr/>
+          <p:nvPr>
+            <p:ph idx="2" type="sldImg"/>
+          </p:nvPr>
+        </p:nvSpPr>
+        <p:spPr>
+          <a:xfrm>
+            <a:off x="381300" y="685800"/>
+            <a:ext cx="6096000" cy="3429000"/>
+          </a:xfrm>
+          <a:custGeom>
+            <a:pathLst>
+              <a:path extrusionOk="0" h="120000" w="120000">
+                <a:moveTo>
+                  <a:pt x="0" y="0"/>
+                </a:moveTo>
+                <a:lnTo>
+                  <a:pt x="120000" y="0"/>
+                </a:lnTo>
+                <a:lnTo>
+                  <a:pt x="120000" y="120000"/>
+                </a:lnTo>
+                <a:lnTo>
+                  <a:pt x="0" y="120000"/>
+                </a:lnTo>
+                <a:close/>
+              </a:path>
+            </a:pathLst>
+          </a:custGeom>
+        </p:spPr>
+      </p:sp>
+      <p:sp>
+        <p:nvSpPr>
+          <p:cNvPr id="323" name="Shape 323"/>
+          <p:cNvSpPr txBox="1"/>
+          <p:nvPr>
+            <p:ph idx="1" type="body"/>
+          </p:nvPr>
+        </p:nvSpPr>
+        <p:spPr>
+          <a:xfrm>
+            <a:off x="685800" y="4343400"/>
+            <a:ext cx="5486400" cy="4114800"/>
+          </a:xfrm>
+          <a:prstGeom prst="rect">
+            <a:avLst/>
+          </a:prstGeom>
+        </p:spPr>
+        <p:txBody>
+          <a:bodyPr anchorCtr="0" anchor="t" bIns="91425" lIns="91425" spcFirstLastPara="1" rIns="91425" wrap="square" tIns="91425">
+            <a:noAutofit/>
+          </a:bodyPr>
+          <a:lstStyle/>
+          <a:p>
+            <a:pPr indent="0" lvl="0" marL="0">
+              <a:spcBef>
+                <a:spcPts val="0"/>
+              </a:spcBef>
+              <a:spcAft>
+                <a:spcPts val="0"/>
+              </a:spcAft>
+              <a:buNone/>
+            </a:pPr>
+            <a:r>
+              <a:t/>
+            </a:r>
+            <a:endParaRPr/>
+          </a:p>
+        </p:txBody>
+      </p:sp>
+    </p:spTree>
+  </p:cSld>
+  <p:clrMapOvr>
+    <a:masterClrMapping/>
+  </p:clrMapOvr>
+</p:notes>
+</file>
+
+<file path=ppt/notesSlides/notesSlide9.xml><?xml version="1.0" encoding="utf-8"?>
+<p:notes xmlns:a="http://schemas.openxmlformats.org/drawingml/2006/main" xmlns:r="http://schemas.openxmlformats.org/officeDocument/2006/relationships" xmlns:mc="http://schemas.openxmlformats.org/markup-compatibility/2006" xmlns:mv="urn:schemas-microsoft-com:mac:vml" xmlns:p="http://schemas.openxmlformats.org/presentationml/2006/main" xmlns:c="http://schemas.openxmlformats.org/drawingml/2006/chart" xmlns:dgm="http://schemas.openxmlformats.org/drawingml/2006/diagram" xmlns:o="urn:schemas-microsoft-com:office:office" xmlns:v="urn:schemas-microsoft-com:vml" xmlns:pvml="urn:schemas-microsoft-com:office:powerpoint" xmlns:com="http://schemas.openxmlformats.org/drawingml/2006/compatibility" xmlns:p14="http://schemas.microsoft.com/office/powerpoint/2010/main" xmlns:p15="http://schemas.microsoft.com/office/powerpoint/2012/main" showMasterPhAnim="0" showMasterSp="0">
+  <p:cSld>
+    <p:spTree>
+      <p:nvGrpSpPr>
+        <p:cNvPr id="327" name="Shape 327"/>
+        <p:cNvGrpSpPr/>
+        <p:nvPr/>
+      </p:nvGrpSpPr>
+      <p:grpSpPr>
+        <a:xfrm>
+          <a:off x="0" y="0"/>
+          <a:ext cx="0" cy="0"/>
+          <a:chOff x="0" y="0"/>
+          <a:chExt cx="0" cy="0"/>
+        </a:xfrm>
+      </p:grpSpPr>
+      <p:sp>
+        <p:nvSpPr>
+          <p:cNvPr id="328" name="Shape 328"/>
+          <p:cNvSpPr/>
+          <p:nvPr>
+            <p:ph idx="2" type="sldImg"/>
+          </p:nvPr>
+        </p:nvSpPr>
+        <p:spPr>
+          <a:xfrm>
+            <a:off x="381300" y="685800"/>
+            <a:ext cx="6096000" cy="3429000"/>
+          </a:xfrm>
+          <a:custGeom>
+            <a:pathLst>
+              <a:path extrusionOk="0" h="120000" w="120000">
+                <a:moveTo>
+                  <a:pt x="0" y="0"/>
+                </a:moveTo>
+                <a:lnTo>
+                  <a:pt x="120000" y="0"/>
+                </a:lnTo>
+                <a:lnTo>
+                  <a:pt x="120000" y="120000"/>
+                </a:lnTo>
+                <a:lnTo>
+                  <a:pt x="0" y="120000"/>
+                </a:lnTo>
+                <a:close/>
+              </a:path>
+            </a:pathLst>
+          </a:custGeom>
+        </p:spPr>
+      </p:sp>
+      <p:sp>
+        <p:nvSpPr>
+          <p:cNvPr id="329" name="Shape 329"/>
           <p:cNvSpPr txBox="1"/>
           <p:nvPr>
             <p:ph idx="1" type="body"/>
@@ -15374,7 +16166,7 @@
             </a:pPr>
             <a:r>
               <a:rPr lang="ro"/>
-              <a:t>Facial recognition</a:t>
+              <a:t>Facial Recognition</a:t>
             </a:r>
             <a:endParaRPr/>
           </a:p>
@@ -15447,6 +16239,321 @@
             <a:r>
               <a:rPr lang="ro"/>
               <a:t>Stefania Santimbrean</a:t>
+            </a:r>
+            <a:endParaRPr/>
+          </a:p>
+        </p:txBody>
+      </p:sp>
+    </p:spTree>
+  </p:cSld>
+  <p:clrMapOvr>
+    <a:masterClrMapping/>
+  </p:clrMapOvr>
+</p:sld>
+</file>
+
+<file path=ppt/slides/slide10.xml><?xml version="1.0" encoding="utf-8"?>
+<p:sld xmlns:a="http://schemas.openxmlformats.org/drawingml/2006/main" xmlns:r="http://schemas.openxmlformats.org/officeDocument/2006/relationships" xmlns:mc="http://schemas.openxmlformats.org/markup-compatibility/2006" xmlns:mv="urn:schemas-microsoft-com:mac:vml" xmlns:p="http://schemas.openxmlformats.org/presentationml/2006/main" xmlns:c="http://schemas.openxmlformats.org/drawingml/2006/chart" xmlns:dgm="http://schemas.openxmlformats.org/drawingml/2006/diagram" xmlns:o="urn:schemas-microsoft-com:office:office" xmlns:v="urn:schemas-microsoft-com:vml" xmlns:pvml="urn:schemas-microsoft-com:office:powerpoint" xmlns:com="http://schemas.openxmlformats.org/drawingml/2006/compatibility" xmlns:p14="http://schemas.microsoft.com/office/powerpoint/2010/main" xmlns:p15="http://schemas.microsoft.com/office/powerpoint/2012/main">
+  <p:cSld>
+    <p:spTree>
+      <p:nvGrpSpPr>
+        <p:cNvPr id="336" name="Shape 336"/>
+        <p:cNvGrpSpPr/>
+        <p:nvPr/>
+      </p:nvGrpSpPr>
+      <p:grpSpPr>
+        <a:xfrm>
+          <a:off x="0" y="0"/>
+          <a:ext cx="0" cy="0"/>
+          <a:chOff x="0" y="0"/>
+          <a:chExt cx="0" cy="0"/>
+        </a:xfrm>
+      </p:grpSpPr>
+      <p:sp>
+        <p:nvSpPr>
+          <p:cNvPr id="337" name="Shape 337"/>
+          <p:cNvSpPr txBox="1"/>
+          <p:nvPr>
+            <p:ph type="title"/>
+          </p:nvPr>
+        </p:nvSpPr>
+        <p:spPr>
+          <a:xfrm>
+            <a:off x="37200" y="417350"/>
+            <a:ext cx="4322400" cy="3748800"/>
+          </a:xfrm>
+          <a:prstGeom prst="rect">
+            <a:avLst/>
+          </a:prstGeom>
+        </p:spPr>
+        <p:txBody>
+          <a:bodyPr anchorCtr="0" anchor="ctr" bIns="91425" lIns="91425" spcFirstLastPara="1" rIns="91425" wrap="square" tIns="91425">
+            <a:noAutofit/>
+          </a:bodyPr>
+          <a:lstStyle/>
+          <a:p>
+            <a:pPr indent="0" lvl="0" marL="0" algn="just">
+              <a:spcBef>
+                <a:spcPts val="0"/>
+              </a:spcBef>
+              <a:spcAft>
+                <a:spcPts val="0"/>
+              </a:spcAft>
+              <a:buNone/>
+            </a:pPr>
+            <a:r>
+              <a:rPr b="0" lang="ro" sz="1600">
+                <a:latin typeface="Nunito"/>
+                <a:ea typeface="Nunito"/>
+                <a:cs typeface="Nunito"/>
+                <a:sym typeface="Nunito"/>
+              </a:rPr>
+              <a:t>Initially, the algorithm needs a lot of positive images (images of faces) and negative images (images without faces) to train the classifier. Then we need to extract features from it. For this, haar features shown in the image are used. They are just like our convolutional kernel. Each feature is a single value obtained by subtracting sum of pixels under white rectangle from sum of pixels under black rectangle.</a:t>
+            </a:r>
+            <a:br>
+              <a:rPr b="0" lang="ro" sz="1600">
+                <a:latin typeface="Nunito"/>
+                <a:ea typeface="Nunito"/>
+                <a:cs typeface="Nunito"/>
+                <a:sym typeface="Nunito"/>
+              </a:rPr>
+            </a:br>
+            <a:r>
+              <a:rPr b="0" lang="ro" sz="1600">
+                <a:latin typeface="Nunito"/>
+                <a:ea typeface="Nunito"/>
+                <a:cs typeface="Nunito"/>
+                <a:sym typeface="Nunito"/>
+              </a:rPr>
+              <a:t>Now all possible sizes and locations of each kernel is used to calculate plenty of features.</a:t>
+            </a:r>
+            <a:endParaRPr/>
+          </a:p>
+        </p:txBody>
+      </p:sp>
+      <p:pic>
+        <p:nvPicPr>
+          <p:cNvPr id="338" name="Shape 338"/>
+          <p:cNvPicPr preferRelativeResize="0"/>
+          <p:nvPr/>
+        </p:nvPicPr>
+        <p:blipFill>
+          <a:blip r:embed="rId3">
+            <a:alphaModFix/>
+          </a:blip>
+          <a:stretch>
+            <a:fillRect/>
+          </a:stretch>
+        </p:blipFill>
+        <p:spPr>
+          <a:xfrm>
+            <a:off x="4359600" y="703450"/>
+            <a:ext cx="4641525" cy="3176600"/>
+          </a:xfrm>
+          <a:prstGeom prst="rect">
+            <a:avLst/>
+          </a:prstGeom>
+          <a:noFill/>
+          <a:ln>
+            <a:noFill/>
+          </a:ln>
+        </p:spPr>
+      </p:pic>
+    </p:spTree>
+  </p:cSld>
+  <p:clrMapOvr>
+    <a:masterClrMapping/>
+  </p:clrMapOvr>
+</p:sld>
+</file>
+
+<file path=ppt/slides/slide11.xml><?xml version="1.0" encoding="utf-8"?>
+<p:sld xmlns:a="http://schemas.openxmlformats.org/drawingml/2006/main" xmlns:r="http://schemas.openxmlformats.org/officeDocument/2006/relationships" xmlns:mc="http://schemas.openxmlformats.org/markup-compatibility/2006" xmlns:mv="urn:schemas-microsoft-com:mac:vml" xmlns:p="http://schemas.openxmlformats.org/presentationml/2006/main" xmlns:c="http://schemas.openxmlformats.org/drawingml/2006/chart" xmlns:dgm="http://schemas.openxmlformats.org/drawingml/2006/diagram" xmlns:o="urn:schemas-microsoft-com:office:office" xmlns:v="urn:schemas-microsoft-com:vml" xmlns:pvml="urn:schemas-microsoft-com:office:powerpoint" xmlns:com="http://schemas.openxmlformats.org/drawingml/2006/compatibility" xmlns:p14="http://schemas.microsoft.com/office/powerpoint/2010/main" xmlns:p15="http://schemas.microsoft.com/office/powerpoint/2012/main">
+  <p:cSld>
+    <p:spTree>
+      <p:nvGrpSpPr>
+        <p:cNvPr id="342" name="Shape 342"/>
+        <p:cNvGrpSpPr/>
+        <p:nvPr/>
+      </p:nvGrpSpPr>
+      <p:grpSpPr>
+        <a:xfrm>
+          <a:off x="0" y="0"/>
+          <a:ext cx="0" cy="0"/>
+          <a:chOff x="0" y="0"/>
+          <a:chExt cx="0" cy="0"/>
+        </a:xfrm>
+      </p:grpSpPr>
+      <p:sp>
+        <p:nvSpPr>
+          <p:cNvPr id="343" name="Shape 343"/>
+          <p:cNvSpPr txBox="1"/>
+          <p:nvPr>
+            <p:ph type="title"/>
+          </p:nvPr>
+        </p:nvSpPr>
+        <p:spPr>
+          <a:xfrm>
+            <a:off x="299650" y="90750"/>
+            <a:ext cx="5857800" cy="708300"/>
+          </a:xfrm>
+          <a:prstGeom prst="rect">
+            <a:avLst/>
+          </a:prstGeom>
+        </p:spPr>
+        <p:txBody>
+          <a:bodyPr anchorCtr="0" anchor="ctr" bIns="91425" lIns="91425" spcFirstLastPara="1" rIns="91425" wrap="square" tIns="91425">
+            <a:noAutofit/>
+          </a:bodyPr>
+          <a:lstStyle/>
+          <a:p>
+            <a:pPr indent="0" lvl="0" marL="0">
+              <a:spcBef>
+                <a:spcPts val="0"/>
+              </a:spcBef>
+              <a:spcAft>
+                <a:spcPts val="0"/>
+              </a:spcAft>
+              <a:buNone/>
+            </a:pPr>
+            <a:r>
+              <a:rPr lang="ro"/>
+              <a:t>Pickle</a:t>
+            </a:r>
+            <a:endParaRPr/>
+          </a:p>
+        </p:txBody>
+      </p:sp>
+      <p:sp>
+        <p:nvSpPr>
+          <p:cNvPr id="344" name="Shape 344"/>
+          <p:cNvSpPr txBox="1"/>
+          <p:nvPr>
+            <p:ph type="title"/>
+          </p:nvPr>
+        </p:nvSpPr>
+        <p:spPr>
+          <a:xfrm>
+            <a:off x="202350" y="1041550"/>
+            <a:ext cx="8739300" cy="3748800"/>
+          </a:xfrm>
+          <a:prstGeom prst="rect">
+            <a:avLst/>
+          </a:prstGeom>
+        </p:spPr>
+        <p:txBody>
+          <a:bodyPr anchorCtr="0" anchor="ctr" bIns="91425" lIns="91425" spcFirstLastPara="1" rIns="91425" wrap="square" tIns="91425">
+            <a:noAutofit/>
+          </a:bodyPr>
+          <a:lstStyle/>
+          <a:p>
+            <a:pPr indent="0" lvl="0" marL="0" rtl="0" algn="just">
+              <a:spcBef>
+                <a:spcPts val="0"/>
+              </a:spcBef>
+              <a:spcAft>
+                <a:spcPts val="0"/>
+              </a:spcAft>
+              <a:buNone/>
+            </a:pPr>
+            <a:r>
+              <a:rPr b="0" lang="ro" sz="1600">
+                <a:latin typeface="Nunito"/>
+                <a:ea typeface="Nunito"/>
+                <a:cs typeface="Nunito"/>
+                <a:sym typeface="Nunito"/>
+              </a:rPr>
+              <a:t>We use Pickle to send the data received from the Webcam to the server.</a:t>
+            </a:r>
+            <a:br>
+              <a:rPr b="0" lang="ro" sz="1600">
+                <a:latin typeface="Nunito"/>
+                <a:ea typeface="Nunito"/>
+                <a:cs typeface="Nunito"/>
+                <a:sym typeface="Nunito"/>
+              </a:rPr>
+            </a:br>
+            <a:r>
+              <a:rPr b="0" lang="ro" sz="1600">
+                <a:latin typeface="Nunito"/>
+                <a:ea typeface="Nunito"/>
+                <a:cs typeface="Nunito"/>
+                <a:sym typeface="Nunito"/>
+              </a:rPr>
+              <a:t>The pickle module implements a fundamental, but powerful algorithm for serializing and de-serializing a Python object structure. “Pickling” is the process whereby a Python object hierarchy is converted into a byte stream, and “unpickling” is the inverse operation, whereby a byte stream is converted back into an object hierarchy. Pickling (and unpickling) is alternatively known as “serialization”, “marshalling,” or “flattening”, however, to avoid confusion, the terms used here are “pickling” and “unpickling”.</a:t>
+            </a:r>
+            <a:br>
+              <a:rPr b="0" lang="ro" sz="1600">
+                <a:latin typeface="Nunito"/>
+                <a:ea typeface="Nunito"/>
+                <a:cs typeface="Nunito"/>
+                <a:sym typeface="Nunito"/>
+              </a:rPr>
+            </a:br>
+            <a:endParaRPr/>
+          </a:p>
+        </p:txBody>
+      </p:sp>
+    </p:spTree>
+  </p:cSld>
+  <p:clrMapOvr>
+    <a:masterClrMapping/>
+  </p:clrMapOvr>
+</p:sld>
+</file>
+
+<file path=ppt/slides/slide12.xml><?xml version="1.0" encoding="utf-8"?>
+<p:sld xmlns:a="http://schemas.openxmlformats.org/drawingml/2006/main" xmlns:r="http://schemas.openxmlformats.org/officeDocument/2006/relationships" xmlns:mc="http://schemas.openxmlformats.org/markup-compatibility/2006" xmlns:mv="urn:schemas-microsoft-com:mac:vml" xmlns:p="http://schemas.openxmlformats.org/presentationml/2006/main" xmlns:c="http://schemas.openxmlformats.org/drawingml/2006/chart" xmlns:dgm="http://schemas.openxmlformats.org/drawingml/2006/diagram" xmlns:o="urn:schemas-microsoft-com:office:office" xmlns:v="urn:schemas-microsoft-com:vml" xmlns:pvml="urn:schemas-microsoft-com:office:powerpoint" xmlns:com="http://schemas.openxmlformats.org/drawingml/2006/compatibility" xmlns:p14="http://schemas.microsoft.com/office/powerpoint/2010/main" xmlns:p15="http://schemas.microsoft.com/office/powerpoint/2012/main">
+  <p:cSld>
+    <p:spTree>
+      <p:nvGrpSpPr>
+        <p:cNvPr id="348" name="Shape 348"/>
+        <p:cNvGrpSpPr/>
+        <p:nvPr/>
+      </p:nvGrpSpPr>
+      <p:grpSpPr>
+        <a:xfrm>
+          <a:off x="0" y="0"/>
+          <a:ext cx="0" cy="0"/>
+          <a:chOff x="0" y="0"/>
+          <a:chExt cx="0" cy="0"/>
+        </a:xfrm>
+      </p:grpSpPr>
+      <p:sp>
+        <p:nvSpPr>
+          <p:cNvPr id="349" name="Shape 349"/>
+          <p:cNvSpPr txBox="1"/>
+          <p:nvPr>
+            <p:ph type="ctrTitle"/>
+          </p:nvPr>
+        </p:nvSpPr>
+        <p:spPr>
+          <a:xfrm>
+            <a:off x="824000" y="1613813"/>
+            <a:ext cx="4255500" cy="1872900"/>
+          </a:xfrm>
+          <a:prstGeom prst="rect">
+            <a:avLst/>
+          </a:prstGeom>
+        </p:spPr>
+        <p:txBody>
+          <a:bodyPr anchorCtr="0" anchor="ctr" bIns="91425" lIns="91425" spcFirstLastPara="1" rIns="91425" wrap="square" tIns="91425">
+            <a:noAutofit/>
+          </a:bodyPr>
+          <a:lstStyle/>
+          <a:p>
+            <a:pPr indent="0" lvl="0" marL="0">
+              <a:spcBef>
+                <a:spcPts val="0"/>
+              </a:spcBef>
+              <a:spcAft>
+                <a:spcPts val="0"/>
+              </a:spcAft>
+              <a:buNone/>
+            </a:pPr>
+            <a:r>
+              <a:rPr lang="ro"/>
+              <a:t>Thank you!</a:t>
             </a:r>
             <a:endParaRPr/>
           </a:p>
@@ -15511,7 +16618,7 @@
             </a:pPr>
             <a:r>
               <a:rPr lang="ro"/>
-              <a:t>A IoT project using Python and Raspberry Pi</a:t>
+              <a:t>An IoT project using Python and Raspberry Pi</a:t>
             </a:r>
             <a:endParaRPr/>
           </a:p>
@@ -15665,6 +16772,507 @@
           <p:cNvPr id="294" name="Shape 294"/>
           <p:cNvSpPr txBox="1"/>
           <p:nvPr>
+            <p:ph type="ctrTitle"/>
+          </p:nvPr>
+        </p:nvSpPr>
+        <p:spPr>
+          <a:xfrm>
+            <a:off x="399525" y="165644"/>
+            <a:ext cx="4255500" cy="908100"/>
+          </a:xfrm>
+          <a:prstGeom prst="rect">
+            <a:avLst/>
+          </a:prstGeom>
+        </p:spPr>
+        <p:txBody>
+          <a:bodyPr anchorCtr="0" anchor="ctr" bIns="91425" lIns="91425" spcFirstLastPara="1" rIns="91425" wrap="square" tIns="91425">
+            <a:noAutofit/>
+          </a:bodyPr>
+          <a:lstStyle/>
+          <a:p>
+            <a:pPr indent="0" lvl="0" marL="0">
+              <a:spcBef>
+                <a:spcPts val="0"/>
+              </a:spcBef>
+              <a:spcAft>
+                <a:spcPts val="0"/>
+              </a:spcAft>
+              <a:buNone/>
+            </a:pPr>
+            <a:r>
+              <a:rPr lang="ro"/>
+              <a:t>Detecting the face</a:t>
+            </a:r>
+            <a:endParaRPr/>
+          </a:p>
+        </p:txBody>
+      </p:sp>
+      <p:pic>
+        <p:nvPicPr>
+          <p:cNvPr id="295" name="Shape 295"/>
+          <p:cNvPicPr preferRelativeResize="0"/>
+          <p:nvPr/>
+        </p:nvPicPr>
+        <p:blipFill rotWithShape="1">
+          <a:blip r:embed="rId3">
+            <a:alphaModFix/>
+          </a:blip>
+          <a:srcRect b="36505" l="53007" r="6211" t="7812"/>
+          <a:stretch/>
+        </p:blipFill>
+        <p:spPr>
+          <a:xfrm>
+            <a:off x="464713" y="1144500"/>
+            <a:ext cx="4331088" cy="3326324"/>
+          </a:xfrm>
+          <a:prstGeom prst="rect">
+            <a:avLst/>
+          </a:prstGeom>
+          <a:noFill/>
+          <a:ln>
+            <a:noFill/>
+          </a:ln>
+        </p:spPr>
+      </p:pic>
+    </p:spTree>
+  </p:cSld>
+  <p:clrMapOvr>
+    <a:masterClrMapping/>
+  </p:clrMapOvr>
+</p:sld>
+</file>
+
+<file path=ppt/slides/slide5.xml><?xml version="1.0" encoding="utf-8"?>
+<p:sld xmlns:a="http://schemas.openxmlformats.org/drawingml/2006/main" xmlns:r="http://schemas.openxmlformats.org/officeDocument/2006/relationships" xmlns:mc="http://schemas.openxmlformats.org/markup-compatibility/2006" xmlns:mv="urn:schemas-microsoft-com:mac:vml" xmlns:p="http://schemas.openxmlformats.org/presentationml/2006/main" xmlns:c="http://schemas.openxmlformats.org/drawingml/2006/chart" xmlns:dgm="http://schemas.openxmlformats.org/drawingml/2006/diagram" xmlns:o="urn:schemas-microsoft-com:office:office" xmlns:v="urn:schemas-microsoft-com:vml" xmlns:pvml="urn:schemas-microsoft-com:office:powerpoint" xmlns:com="http://schemas.openxmlformats.org/drawingml/2006/compatibility" xmlns:p14="http://schemas.microsoft.com/office/powerpoint/2010/main" xmlns:p15="http://schemas.microsoft.com/office/powerpoint/2012/main">
+  <p:cSld>
+    <p:spTree>
+      <p:nvGrpSpPr>
+        <p:cNvPr id="299" name="Shape 299"/>
+        <p:cNvGrpSpPr/>
+        <p:nvPr/>
+      </p:nvGrpSpPr>
+      <p:grpSpPr>
+        <a:xfrm>
+          <a:off x="0" y="0"/>
+          <a:ext cx="0" cy="0"/>
+          <a:chOff x="0" y="0"/>
+          <a:chExt cx="0" cy="0"/>
+        </a:xfrm>
+      </p:grpSpPr>
+      <p:sp>
+        <p:nvSpPr>
+          <p:cNvPr id="300" name="Shape 300"/>
+          <p:cNvSpPr txBox="1"/>
+          <p:nvPr>
+            <p:ph type="title"/>
+          </p:nvPr>
+        </p:nvSpPr>
+        <p:spPr>
+          <a:xfrm>
+            <a:off x="449475" y="103225"/>
+            <a:ext cx="3345600" cy="733200"/>
+          </a:xfrm>
+          <a:prstGeom prst="rect">
+            <a:avLst/>
+          </a:prstGeom>
+        </p:spPr>
+        <p:txBody>
+          <a:bodyPr anchorCtr="0" anchor="ctr" bIns="91425" lIns="91425" spcFirstLastPara="1" rIns="91425" wrap="square" tIns="91425">
+            <a:noAutofit/>
+          </a:bodyPr>
+          <a:lstStyle/>
+          <a:p>
+            <a:pPr indent="0" lvl="0" marL="0">
+              <a:spcBef>
+                <a:spcPts val="0"/>
+              </a:spcBef>
+              <a:spcAft>
+                <a:spcPts val="0"/>
+              </a:spcAft>
+              <a:buNone/>
+            </a:pPr>
+            <a:r>
+              <a:rPr lang="ro"/>
+              <a:t>Twitter</a:t>
+            </a:r>
+            <a:endParaRPr/>
+          </a:p>
+        </p:txBody>
+      </p:sp>
+      <p:pic>
+        <p:nvPicPr>
+          <p:cNvPr id="301" name="Shape 301"/>
+          <p:cNvPicPr preferRelativeResize="0"/>
+          <p:nvPr/>
+        </p:nvPicPr>
+        <p:blipFill rotWithShape="1">
+          <a:blip r:embed="rId3">
+            <a:alphaModFix/>
+          </a:blip>
+          <a:srcRect b="0" l="27443" r="7430" t="19400"/>
+          <a:stretch/>
+        </p:blipFill>
+        <p:spPr>
+          <a:xfrm>
+            <a:off x="586662" y="836425"/>
+            <a:ext cx="5954975" cy="4143500"/>
+          </a:xfrm>
+          <a:prstGeom prst="rect">
+            <a:avLst/>
+          </a:prstGeom>
+          <a:noFill/>
+          <a:ln>
+            <a:noFill/>
+          </a:ln>
+        </p:spPr>
+      </p:pic>
+    </p:spTree>
+  </p:cSld>
+  <p:clrMapOvr>
+    <a:masterClrMapping/>
+  </p:clrMapOvr>
+</p:sld>
+</file>
+
+<file path=ppt/slides/slide6.xml><?xml version="1.0" encoding="utf-8"?>
+<p:sld xmlns:a="http://schemas.openxmlformats.org/drawingml/2006/main" xmlns:r="http://schemas.openxmlformats.org/officeDocument/2006/relationships" xmlns:mc="http://schemas.openxmlformats.org/markup-compatibility/2006" xmlns:mv="urn:schemas-microsoft-com:mac:vml" xmlns:p="http://schemas.openxmlformats.org/presentationml/2006/main" xmlns:c="http://schemas.openxmlformats.org/drawingml/2006/chart" xmlns:dgm="http://schemas.openxmlformats.org/drawingml/2006/diagram" xmlns:o="urn:schemas-microsoft-com:office:office" xmlns:v="urn:schemas-microsoft-com:vml" xmlns:pvml="urn:schemas-microsoft-com:office:powerpoint" xmlns:com="http://schemas.openxmlformats.org/drawingml/2006/compatibility" xmlns:p14="http://schemas.microsoft.com/office/powerpoint/2010/main" xmlns:p15="http://schemas.microsoft.com/office/powerpoint/2012/main">
+  <p:cSld>
+    <p:spTree>
+      <p:nvGrpSpPr>
+        <p:cNvPr id="305" name="Shape 305"/>
+        <p:cNvGrpSpPr/>
+        <p:nvPr/>
+      </p:nvGrpSpPr>
+      <p:grpSpPr>
+        <a:xfrm>
+          <a:off x="0" y="0"/>
+          <a:ext cx="0" cy="0"/>
+          <a:chOff x="0" y="0"/>
+          <a:chExt cx="0" cy="0"/>
+        </a:xfrm>
+      </p:grpSpPr>
+      <p:sp>
+        <p:nvSpPr>
+          <p:cNvPr id="306" name="Shape 306"/>
+          <p:cNvSpPr txBox="1"/>
+          <p:nvPr>
+            <p:ph type="title"/>
+          </p:nvPr>
+        </p:nvSpPr>
+        <p:spPr>
+          <a:xfrm>
+            <a:off x="112400" y="0"/>
+            <a:ext cx="5857800" cy="873900"/>
+          </a:xfrm>
+          <a:prstGeom prst="rect">
+            <a:avLst/>
+          </a:prstGeom>
+        </p:spPr>
+        <p:txBody>
+          <a:bodyPr anchorCtr="0" anchor="ctr" bIns="91425" lIns="91425" spcFirstLastPara="1" rIns="91425" wrap="square" tIns="91425">
+            <a:noAutofit/>
+          </a:bodyPr>
+          <a:lstStyle/>
+          <a:p>
+            <a:pPr indent="0" lvl="0" marL="0">
+              <a:spcBef>
+                <a:spcPts val="0"/>
+              </a:spcBef>
+              <a:spcAft>
+                <a:spcPts val="0"/>
+              </a:spcAft>
+              <a:buNone/>
+            </a:pPr>
+            <a:r>
+              <a:rPr lang="ro"/>
+              <a:t>Scheme</a:t>
+            </a:r>
+            <a:endParaRPr/>
+          </a:p>
+        </p:txBody>
+      </p:sp>
+      <p:pic>
+        <p:nvPicPr>
+          <p:cNvPr id="307" name="Shape 307"/>
+          <p:cNvPicPr preferRelativeResize="0"/>
+          <p:nvPr/>
+        </p:nvPicPr>
+        <p:blipFill rotWithShape="1">
+          <a:blip r:embed="rId3">
+            <a:alphaModFix/>
+          </a:blip>
+          <a:srcRect b="28144" l="29079" r="28186" t="19160"/>
+          <a:stretch/>
+        </p:blipFill>
+        <p:spPr>
+          <a:xfrm>
+            <a:off x="869925" y="3258369"/>
+            <a:ext cx="1832749" cy="1270650"/>
+          </a:xfrm>
+          <a:prstGeom prst="rect">
+            <a:avLst/>
+          </a:prstGeom>
+          <a:noFill/>
+          <a:ln>
+            <a:noFill/>
+          </a:ln>
+        </p:spPr>
+      </p:pic>
+      <p:pic>
+        <p:nvPicPr>
+          <p:cNvPr id="308" name="Shape 308"/>
+          <p:cNvPicPr preferRelativeResize="0"/>
+          <p:nvPr/>
+        </p:nvPicPr>
+        <p:blipFill>
+          <a:blip r:embed="rId4">
+            <a:alphaModFix/>
+          </a:blip>
+          <a:stretch>
+            <a:fillRect/>
+          </a:stretch>
+        </p:blipFill>
+        <p:spPr>
+          <a:xfrm>
+            <a:off x="3118625" y="626800"/>
+            <a:ext cx="3523325" cy="1944949"/>
+          </a:xfrm>
+          <a:prstGeom prst="rect">
+            <a:avLst/>
+          </a:prstGeom>
+          <a:noFill/>
+          <a:ln>
+            <a:noFill/>
+          </a:ln>
+        </p:spPr>
+      </p:pic>
+      <p:pic>
+        <p:nvPicPr>
+          <p:cNvPr id="309" name="Shape 309"/>
+          <p:cNvPicPr preferRelativeResize="0"/>
+          <p:nvPr/>
+        </p:nvPicPr>
+        <p:blipFill>
+          <a:blip r:embed="rId5">
+            <a:alphaModFix/>
+          </a:blip>
+          <a:stretch>
+            <a:fillRect/>
+          </a:stretch>
+        </p:blipFill>
+        <p:spPr>
+          <a:xfrm>
+            <a:off x="2929999" y="3867525"/>
+            <a:ext cx="873900" cy="873900"/>
+          </a:xfrm>
+          <a:prstGeom prst="rect">
+            <a:avLst/>
+          </a:prstGeom>
+          <a:noFill/>
+          <a:ln>
+            <a:noFill/>
+          </a:ln>
+        </p:spPr>
+      </p:pic>
+      <p:pic>
+        <p:nvPicPr>
+          <p:cNvPr id="310" name="Shape 310"/>
+          <p:cNvPicPr preferRelativeResize="0"/>
+          <p:nvPr/>
+        </p:nvPicPr>
+        <p:blipFill>
+          <a:blip r:embed="rId6">
+            <a:alphaModFix/>
+          </a:blip>
+          <a:stretch>
+            <a:fillRect/>
+          </a:stretch>
+        </p:blipFill>
+        <p:spPr>
+          <a:xfrm>
+            <a:off x="6223250" y="3602796"/>
+            <a:ext cx="2013901" cy="1081217"/>
+          </a:xfrm>
+          <a:prstGeom prst="rect">
+            <a:avLst/>
+          </a:prstGeom>
+          <a:noFill/>
+          <a:ln>
+            <a:noFill/>
+          </a:ln>
+        </p:spPr>
+      </p:pic>
+      <p:cxnSp>
+        <p:nvCxnSpPr>
+          <p:cNvPr id="311" name="Shape 311"/>
+          <p:cNvCxnSpPr>
+            <a:stCxn id="308" idx="1"/>
+          </p:cNvCxnSpPr>
+          <p:nvPr/>
+        </p:nvCxnSpPr>
+        <p:spPr>
+          <a:xfrm rot="10800000">
+            <a:off x="1785125" y="1585475"/>
+            <a:ext cx="1333500" cy="13800"/>
+          </a:xfrm>
+          <a:prstGeom prst="straightConnector1">
+            <a:avLst/>
+          </a:prstGeom>
+          <a:noFill/>
+          <a:ln cap="flat" cmpd="sng" w="76200">
+            <a:solidFill>
+              <a:schemeClr val="dk2"/>
+            </a:solidFill>
+            <a:prstDash val="solid"/>
+            <a:round/>
+            <a:headEnd len="med" w="med" type="none"/>
+            <a:tailEnd len="med" w="med" type="none"/>
+          </a:ln>
+        </p:spPr>
+      </p:cxnSp>
+      <p:cxnSp>
+        <p:nvCxnSpPr>
+          <p:cNvPr id="312" name="Shape 312"/>
+          <p:cNvCxnSpPr>
+            <a:stCxn id="307" idx="0"/>
+          </p:cNvCxnSpPr>
+          <p:nvPr/>
+        </p:nvCxnSpPr>
+        <p:spPr>
+          <a:xfrm flipH="1" rot="10800000">
+            <a:off x="1786299" y="1548069"/>
+            <a:ext cx="11400" cy="1710300"/>
+          </a:xfrm>
+          <a:prstGeom prst="straightConnector1">
+            <a:avLst/>
+          </a:prstGeom>
+          <a:noFill/>
+          <a:ln cap="flat" cmpd="sng" w="76200">
+            <a:solidFill>
+              <a:schemeClr val="dk2"/>
+            </a:solidFill>
+            <a:prstDash val="solid"/>
+            <a:round/>
+            <a:headEnd len="med" w="med" type="none"/>
+            <a:tailEnd len="med" w="med" type="none"/>
+          </a:ln>
+        </p:spPr>
+      </p:cxnSp>
+      <p:cxnSp>
+        <p:nvCxnSpPr>
+          <p:cNvPr id="313" name="Shape 313"/>
+          <p:cNvCxnSpPr>
+            <a:stCxn id="309" idx="1"/>
+            <a:endCxn id="307" idx="3"/>
+          </p:cNvCxnSpPr>
+          <p:nvPr/>
+        </p:nvCxnSpPr>
+        <p:spPr>
+          <a:xfrm rot="10800000">
+            <a:off x="2702599" y="3893775"/>
+            <a:ext cx="227400" cy="410700"/>
+          </a:xfrm>
+          <a:prstGeom prst="straightConnector1">
+            <a:avLst/>
+          </a:prstGeom>
+          <a:noFill/>
+          <a:ln cap="flat" cmpd="sng" w="76200">
+            <a:solidFill>
+              <a:schemeClr val="dk2"/>
+            </a:solidFill>
+            <a:prstDash val="solid"/>
+            <a:round/>
+            <a:headEnd len="med" w="med" type="none"/>
+            <a:tailEnd len="med" w="med" type="none"/>
+          </a:ln>
+        </p:spPr>
+      </p:cxnSp>
+      <p:cxnSp>
+        <p:nvCxnSpPr>
+          <p:cNvPr id="314" name="Shape 314"/>
+          <p:cNvCxnSpPr>
+            <a:stCxn id="308" idx="3"/>
+          </p:cNvCxnSpPr>
+          <p:nvPr/>
+        </p:nvCxnSpPr>
+        <p:spPr>
+          <a:xfrm>
+            <a:off x="6641950" y="1599275"/>
+            <a:ext cx="549000" cy="11100"/>
+          </a:xfrm>
+          <a:prstGeom prst="straightConnector1">
+            <a:avLst/>
+          </a:prstGeom>
+          <a:noFill/>
+          <a:ln cap="flat" cmpd="sng" w="76200">
+            <a:solidFill>
+              <a:schemeClr val="dk2"/>
+            </a:solidFill>
+            <a:prstDash val="solid"/>
+            <a:round/>
+            <a:headEnd len="med" w="med" type="none"/>
+            <a:tailEnd len="med" w="med" type="none"/>
+          </a:ln>
+        </p:spPr>
+      </p:cxnSp>
+      <p:cxnSp>
+        <p:nvCxnSpPr>
+          <p:cNvPr id="315" name="Shape 315"/>
+          <p:cNvCxnSpPr>
+            <a:stCxn id="310" idx="0"/>
+          </p:cNvCxnSpPr>
+          <p:nvPr/>
+        </p:nvCxnSpPr>
+        <p:spPr>
+          <a:xfrm rot="10800000">
+            <a:off x="7215800" y="1572996"/>
+            <a:ext cx="14400" cy="2029800"/>
+          </a:xfrm>
+          <a:prstGeom prst="straightConnector1">
+            <a:avLst/>
+          </a:prstGeom>
+          <a:noFill/>
+          <a:ln cap="flat" cmpd="sng" w="76200">
+            <a:solidFill>
+              <a:schemeClr val="dk2"/>
+            </a:solidFill>
+            <a:prstDash val="solid"/>
+            <a:round/>
+            <a:headEnd len="med" w="med" type="none"/>
+            <a:tailEnd len="med" w="med" type="none"/>
+          </a:ln>
+        </p:spPr>
+      </p:cxnSp>
+    </p:spTree>
+  </p:cSld>
+  <p:clrMapOvr>
+    <a:masterClrMapping/>
+  </p:clrMapOvr>
+</p:sld>
+</file>
+
+<file path=ppt/slides/slide7.xml><?xml version="1.0" encoding="utf-8"?>
+<p:sld xmlns:a="http://schemas.openxmlformats.org/drawingml/2006/main" xmlns:r="http://schemas.openxmlformats.org/officeDocument/2006/relationships" xmlns:mc="http://schemas.openxmlformats.org/markup-compatibility/2006" xmlns:mv="urn:schemas-microsoft-com:mac:vml" xmlns:p="http://schemas.openxmlformats.org/presentationml/2006/main" xmlns:c="http://schemas.openxmlformats.org/drawingml/2006/chart" xmlns:dgm="http://schemas.openxmlformats.org/drawingml/2006/diagram" xmlns:o="urn:schemas-microsoft-com:office:office" xmlns:v="urn:schemas-microsoft-com:vml" xmlns:pvml="urn:schemas-microsoft-com:office:powerpoint" xmlns:com="http://schemas.openxmlformats.org/drawingml/2006/compatibility" xmlns:p14="http://schemas.microsoft.com/office/powerpoint/2010/main" xmlns:p15="http://schemas.microsoft.com/office/powerpoint/2012/main">
+  <p:cSld>
+    <p:spTree>
+      <p:nvGrpSpPr>
+        <p:cNvPr id="319" name="Shape 319"/>
+        <p:cNvGrpSpPr/>
+        <p:nvPr/>
+      </p:nvGrpSpPr>
+      <p:grpSpPr>
+        <a:xfrm>
+          <a:off x="0" y="0"/>
+          <a:ext cx="0" cy="0"/>
+          <a:chOff x="0" y="0"/>
+          <a:chExt cx="0" cy="0"/>
+        </a:xfrm>
+      </p:grpSpPr>
+      <p:sp>
+        <p:nvSpPr>
+          <p:cNvPr id="320" name="Shape 320"/>
+          <p:cNvSpPr txBox="1"/>
+          <p:nvPr>
             <p:ph type="title"/>
           </p:nvPr>
         </p:nvSpPr>
@@ -15861,7 +17469,552 @@
 </p:sld>
 </file>
 
+<file path=ppt/slides/slide8.xml><?xml version="1.0" encoding="utf-8"?>
+<p:sld xmlns:a="http://schemas.openxmlformats.org/drawingml/2006/main" xmlns:r="http://schemas.openxmlformats.org/officeDocument/2006/relationships" xmlns:mc="http://schemas.openxmlformats.org/markup-compatibility/2006" xmlns:mv="urn:schemas-microsoft-com:mac:vml" xmlns:p="http://schemas.openxmlformats.org/presentationml/2006/main" xmlns:c="http://schemas.openxmlformats.org/drawingml/2006/chart" xmlns:dgm="http://schemas.openxmlformats.org/drawingml/2006/diagram" xmlns:o="urn:schemas-microsoft-com:office:office" xmlns:v="urn:schemas-microsoft-com:vml" xmlns:pvml="urn:schemas-microsoft-com:office:powerpoint" xmlns:com="http://schemas.openxmlformats.org/drawingml/2006/compatibility" xmlns:p14="http://schemas.microsoft.com/office/powerpoint/2010/main" xmlns:p15="http://schemas.microsoft.com/office/powerpoint/2012/main">
+  <p:cSld>
+    <p:spTree>
+      <p:nvGrpSpPr>
+        <p:cNvPr id="324" name="Shape 324"/>
+        <p:cNvGrpSpPr/>
+        <p:nvPr/>
+      </p:nvGrpSpPr>
+      <p:grpSpPr>
+        <a:xfrm>
+          <a:off x="0" y="0"/>
+          <a:ext cx="0" cy="0"/>
+          <a:chOff x="0" y="0"/>
+          <a:chExt cx="0" cy="0"/>
+        </a:xfrm>
+      </p:grpSpPr>
+      <p:sp>
+        <p:nvSpPr>
+          <p:cNvPr id="325" name="Shape 325"/>
+          <p:cNvSpPr txBox="1"/>
+          <p:nvPr>
+            <p:ph type="ctrTitle"/>
+          </p:nvPr>
+        </p:nvSpPr>
+        <p:spPr>
+          <a:xfrm>
+            <a:off x="316500" y="153167"/>
+            <a:ext cx="4255500" cy="695400"/>
+          </a:xfrm>
+          <a:prstGeom prst="rect">
+            <a:avLst/>
+          </a:prstGeom>
+        </p:spPr>
+        <p:txBody>
+          <a:bodyPr anchorCtr="0" anchor="ctr" bIns="91425" lIns="91425" spcFirstLastPara="1" rIns="91425" wrap="square" tIns="91425">
+            <a:noAutofit/>
+          </a:bodyPr>
+          <a:lstStyle/>
+          <a:p>
+            <a:pPr indent="0" lvl="0" marL="0">
+              <a:spcBef>
+                <a:spcPts val="0"/>
+              </a:spcBef>
+              <a:spcAft>
+                <a:spcPts val="0"/>
+              </a:spcAft>
+              <a:buNone/>
+            </a:pPr>
+            <a:r>
+              <a:rPr lang="ro"/>
+              <a:t>About OpenCV</a:t>
+            </a:r>
+            <a:endParaRPr/>
+          </a:p>
+        </p:txBody>
+      </p:sp>
+      <p:sp>
+        <p:nvSpPr>
+          <p:cNvPr id="326" name="Shape 326"/>
+          <p:cNvSpPr txBox="1"/>
+          <p:nvPr>
+            <p:ph idx="1" type="subTitle"/>
+          </p:nvPr>
+        </p:nvSpPr>
+        <p:spPr>
+          <a:xfrm>
+            <a:off x="374575" y="1024550"/>
+            <a:ext cx="7740300" cy="3694500"/>
+          </a:xfrm>
+          <a:prstGeom prst="rect">
+            <a:avLst/>
+          </a:prstGeom>
+        </p:spPr>
+        <p:txBody>
+          <a:bodyPr anchorCtr="0" anchor="t" bIns="91425" lIns="91425" spcFirstLastPara="1" rIns="91425" wrap="square" tIns="91425">
+            <a:noAutofit/>
+          </a:bodyPr>
+          <a:lstStyle/>
+          <a:p>
+            <a:pPr indent="0" lvl="0" marL="0" rtl="0">
+              <a:spcBef>
+                <a:spcPts val="0"/>
+              </a:spcBef>
+              <a:spcAft>
+                <a:spcPts val="0"/>
+              </a:spcAft>
+              <a:buNone/>
+            </a:pPr>
+            <a:r>
+              <a:rPr lang="ro"/>
+              <a:t>OpenCV (Open Source Computer Vision Library) is an open source computer vision and machine learning software library. OpenCV was built to provide a common infrastructure for computer vision applications and to accelerate the use of machine perception in the commercial products.</a:t>
+            </a:r>
+            <a:br>
+              <a:rPr lang="ro"/>
+            </a:br>
+            <a:br>
+              <a:rPr lang="ro"/>
+            </a:br>
+            <a:r>
+              <a:rPr lang="ro"/>
+              <a:t>The library has more than 2500 optimized algorithms, which includes a comprehensive set of both classic and state-of-the-art computer vision and machine learning algorithms. These algorithms can be used to detect and recognize faces, identify objects, which is why we used it in the algorithm.</a:t>
+            </a:r>
+            <a:endParaRPr/>
+          </a:p>
+        </p:txBody>
+      </p:sp>
+    </p:spTree>
+  </p:cSld>
+  <p:clrMapOvr>
+    <a:masterClrMapping/>
+  </p:clrMapOvr>
+</p:sld>
+</file>
+
+<file path=ppt/slides/slide9.xml><?xml version="1.0" encoding="utf-8"?>
+<p:sld xmlns:a="http://schemas.openxmlformats.org/drawingml/2006/main" xmlns:r="http://schemas.openxmlformats.org/officeDocument/2006/relationships" xmlns:mc="http://schemas.openxmlformats.org/markup-compatibility/2006" xmlns:mv="urn:schemas-microsoft-com:mac:vml" xmlns:p="http://schemas.openxmlformats.org/presentationml/2006/main" xmlns:c="http://schemas.openxmlformats.org/drawingml/2006/chart" xmlns:dgm="http://schemas.openxmlformats.org/drawingml/2006/diagram" xmlns:o="urn:schemas-microsoft-com:office:office" xmlns:v="urn:schemas-microsoft-com:vml" xmlns:pvml="urn:schemas-microsoft-com:office:powerpoint" xmlns:com="http://schemas.openxmlformats.org/drawingml/2006/compatibility" xmlns:p14="http://schemas.microsoft.com/office/powerpoint/2010/main" xmlns:p15="http://schemas.microsoft.com/office/powerpoint/2012/main">
+  <p:cSld>
+    <p:spTree>
+      <p:nvGrpSpPr>
+        <p:cNvPr id="330" name="Shape 330"/>
+        <p:cNvGrpSpPr/>
+        <p:nvPr/>
+      </p:nvGrpSpPr>
+      <p:grpSpPr>
+        <a:xfrm>
+          <a:off x="0" y="0"/>
+          <a:ext cx="0" cy="0"/>
+          <a:chOff x="0" y="0"/>
+          <a:chExt cx="0" cy="0"/>
+        </a:xfrm>
+      </p:grpSpPr>
+      <p:sp>
+        <p:nvSpPr>
+          <p:cNvPr id="331" name="Shape 331"/>
+          <p:cNvSpPr txBox="1"/>
+          <p:nvPr>
+            <p:ph type="ctrTitle"/>
+          </p:nvPr>
+        </p:nvSpPr>
+        <p:spPr>
+          <a:xfrm>
+            <a:off x="324625" y="65775"/>
+            <a:ext cx="8089800" cy="1872900"/>
+          </a:xfrm>
+          <a:prstGeom prst="rect">
+            <a:avLst/>
+          </a:prstGeom>
+        </p:spPr>
+        <p:txBody>
+          <a:bodyPr anchorCtr="0" anchor="ctr" bIns="91425" lIns="91425" spcFirstLastPara="1" rIns="91425" wrap="square" tIns="91425">
+            <a:noAutofit/>
+          </a:bodyPr>
+          <a:lstStyle/>
+          <a:p>
+            <a:pPr indent="0" lvl="0" marL="0" rtl="0">
+              <a:spcBef>
+                <a:spcPts val="0"/>
+              </a:spcBef>
+              <a:spcAft>
+                <a:spcPts val="0"/>
+              </a:spcAft>
+              <a:buNone/>
+            </a:pPr>
+            <a:r>
+              <a:rPr lang="ro"/>
+              <a:t>Face Detection using Haar Featured-based Cascade Classifiers</a:t>
+            </a:r>
+            <a:endParaRPr/>
+          </a:p>
+        </p:txBody>
+      </p:sp>
+      <p:sp>
+        <p:nvSpPr>
+          <p:cNvPr id="332" name="Shape 332"/>
+          <p:cNvSpPr txBox="1"/>
+          <p:nvPr>
+            <p:ph idx="1" type="subTitle"/>
+          </p:nvPr>
+        </p:nvSpPr>
+        <p:spPr>
+          <a:xfrm>
+            <a:off x="436975" y="1773600"/>
+            <a:ext cx="7840200" cy="3007800"/>
+          </a:xfrm>
+          <a:prstGeom prst="rect">
+            <a:avLst/>
+          </a:prstGeom>
+        </p:spPr>
+        <p:txBody>
+          <a:bodyPr anchorCtr="0" anchor="t" bIns="91425" lIns="91425" spcFirstLastPara="1" rIns="91425" wrap="square" tIns="91425">
+            <a:noAutofit/>
+          </a:bodyPr>
+          <a:lstStyle/>
+          <a:p>
+            <a:pPr indent="0" lvl="0" marL="0">
+              <a:spcBef>
+                <a:spcPts val="0"/>
+              </a:spcBef>
+              <a:spcAft>
+                <a:spcPts val="0"/>
+              </a:spcAft>
+              <a:buNone/>
+            </a:pPr>
+            <a:r>
+              <a:rPr lang="ro"/>
+              <a:t>Object Detection using Haar feature-based cascade classifiers is an effective object detection method. It is a machine learning based approach where a cascade function is trained from a lot of positive and negative images. It is then used to detect objects in other images.</a:t>
+            </a:r>
+            <a:endParaRPr/>
+          </a:p>
+          <a:p>
+            <a:pPr indent="0" lvl="0" marL="0">
+              <a:spcBef>
+                <a:spcPts val="0"/>
+              </a:spcBef>
+              <a:spcAft>
+                <a:spcPts val="0"/>
+              </a:spcAft>
+              <a:buNone/>
+            </a:pPr>
+            <a:r>
+              <a:t/>
+            </a:r>
+            <a:endParaRPr/>
+          </a:p>
+          <a:p>
+            <a:pPr indent="0" lvl="0" marL="0">
+              <a:spcBef>
+                <a:spcPts val="0"/>
+              </a:spcBef>
+              <a:spcAft>
+                <a:spcPts val="0"/>
+              </a:spcAft>
+              <a:buNone/>
+            </a:pPr>
+            <a:r>
+              <a:rPr lang="ro"/>
+              <a:t>We will work with face detection.</a:t>
+            </a:r>
+            <a:endParaRPr/>
+          </a:p>
+          <a:p>
+            <a:pPr indent="0" lvl="0" marL="0">
+              <a:spcBef>
+                <a:spcPts val="0"/>
+              </a:spcBef>
+              <a:spcAft>
+                <a:spcPts val="0"/>
+              </a:spcAft>
+              <a:buNone/>
+            </a:pPr>
+            <a:br>
+              <a:rPr lang="ro"/>
+            </a:br>
+            <a:endParaRPr/>
+          </a:p>
+        </p:txBody>
+      </p:sp>
+    </p:spTree>
+  </p:cSld>
+  <p:clrMapOvr>
+    <a:masterClrMapping/>
+  </p:clrMapOvr>
+</p:sld>
+</file>
+
 <file path=ppt/theme/theme1.xml><?xml version="1.0" encoding="utf-8"?>
+<a:theme xmlns:a="http://schemas.openxmlformats.org/drawingml/2006/main" xmlns:r="http://schemas.openxmlformats.org/officeDocument/2006/relationships">
+  <a:themeElements>
+    <a:clrScheme name="Default">
+      <a:dk1>
+        <a:srgbClr val="000000"/>
+      </a:dk1>
+      <a:lt1>
+        <a:srgbClr val="FFFFFF"/>
+      </a:lt1>
+      <a:dk2>
+        <a:srgbClr val="158158"/>
+      </a:dk2>
+      <a:lt2>
+        <a:srgbClr val="F3F3F3"/>
+      </a:lt2>
+      <a:accent1>
+        <a:srgbClr val="058DC7"/>
+      </a:accent1>
+      <a:accent2>
+        <a:srgbClr val="50B432"/>
+      </a:accent2>
+      <a:accent3>
+        <a:srgbClr val="ED561B"/>
+      </a:accent3>
+      <a:accent4>
+        <a:srgbClr val="EDEF00"/>
+      </a:accent4>
+      <a:accent5>
+        <a:srgbClr val="24CBE5"/>
+      </a:accent5>
+      <a:accent6>
+        <a:srgbClr val="64E572"/>
+      </a:accent6>
+      <a:hlink>
+        <a:srgbClr val="2200CC"/>
+      </a:hlink>
+      <a:folHlink>
+        <a:srgbClr val="551A8B"/>
+      </a:folHlink>
+    </a:clrScheme>
+    <a:fontScheme name="Office">
+      <a:majorFont>
+        <a:latin typeface="Arial"/>
+        <a:ea typeface=""/>
+        <a:cs typeface=""/>
+        <a:font script="Jpan" typeface="ＭＳ Ｐゴシック"/>
+        <a:font script="Hang" typeface="맑은 고딕"/>
+        <a:font script="Hans" typeface="宋体"/>
+        <a:font script="Hant" typeface="新細明體"/>
+        <a:font script="Arab" typeface="Times New Roman"/>
+        <a:font script="Hebr" typeface="Times New Roman"/>
+        <a:font script="Thai" typeface="Angsana New"/>
+        <a:font script="Ethi" typeface="Nyala"/>
+        <a:font script="Beng" typeface="Vrinda"/>
+        <a:font script="Gujr" typeface="Shruti"/>
+        <a:font script="Khmr" typeface="MoolBoran"/>
+        <a:font script="Knda" typeface="Tunga"/>
+        <a:font script="Guru" typeface="Raavi"/>
+        <a:font script="Cans" typeface="Euphemia"/>
+        <a:font script="Cher" typeface="Plantagenet Cherokee"/>
+        <a:font script="Yiii" typeface="Microsoft Yi Baiti"/>
+        <a:font script="Tibt" typeface="Microsoft Himalaya"/>
+        <a:font script="Thaa" typeface="MV Boli"/>
+        <a:font script="Deva" typeface="Mangal"/>
+        <a:font script="Telu" typeface="Gautami"/>
+        <a:font script="Taml" typeface="Latha"/>
+        <a:font script="Syrc" typeface="Estrangelo Edessa"/>
+        <a:font script="Orya" typeface="Kalinga"/>
+        <a:font script="Mlym" typeface="Kartika"/>
+        <a:font script="Laoo" typeface="DokChampa"/>
+        <a:font script="Sinh" typeface="Iskoola Pota"/>
+        <a:font script="Mong" typeface="Mongolian Baiti"/>
+        <a:font script="Viet" typeface="Times New Roman"/>
+        <a:font script="Uigh" typeface="Microsoft Uighur"/>
+        <a:font script="Geor" typeface="Sylfaen"/>
+      </a:majorFont>
+      <a:minorFont>
+        <a:latin typeface="Arial"/>
+        <a:ea typeface=""/>
+        <a:cs typeface=""/>
+        <a:font script="Jpan" typeface="ＭＳ Ｐゴシック"/>
+        <a:font script="Hang" typeface="맑은 고딕"/>
+        <a:font script="Hans" typeface="宋体"/>
+        <a:font script="Hant" typeface="新細明體"/>
+        <a:font script="Arab" typeface="Arial"/>
+        <a:font script="Hebr" typeface="Arial"/>
+        <a:font script="Thai" typeface="Cordia New"/>
+        <a:font script="Ethi" typeface="Nyala"/>
+        <a:font script="Beng" typeface="Vrinda"/>
+        <a:font script="Gujr" typeface="Shruti"/>
+        <a:font script="Khmr" typeface="DaunPenh"/>
+        <a:font script="Knda" typeface="Tunga"/>
+        <a:font script="Guru" typeface="Raavi"/>
+        <a:font script="Cans" typeface="Euphemia"/>
+        <a:font script="Cher" typeface="Plantagenet Cherokee"/>
+        <a:font script="Yiii" typeface="Microsoft Yi Baiti"/>
+        <a:font script="Tibt" typeface="Microsoft Himalaya"/>
+        <a:font script="Thaa" typeface="MV Boli"/>
+        <a:font script="Deva" typeface="Mangal"/>
+        <a:font script="Telu" typeface="Gautami"/>
+        <a:font script="Taml" typeface="Latha"/>
+        <a:font script="Syrc" typeface="Estrangelo Edessa"/>
+        <a:font script="Orya" typeface="Kalinga"/>
+        <a:font script="Mlym" typeface="Kartika"/>
+        <a:font script="Laoo" typeface="DokChampa"/>
+        <a:font script="Sinh" typeface="Iskoola Pota"/>
+        <a:font script="Mong" typeface="Mongolian Baiti"/>
+        <a:font script="Viet" typeface="Arial"/>
+        <a:font script="Uigh" typeface="Microsoft Uighur"/>
+        <a:font script="Geor" typeface="Sylfaen"/>
+      </a:minorFont>
+    </a:fontScheme>
+    <a:fmtScheme name="Office">
+      <a:fillStyleLst>
+        <a:solidFill>
+          <a:schemeClr val="phClr"/>
+        </a:solidFill>
+        <a:gradFill rotWithShape="1">
+          <a:gsLst>
+            <a:gs pos="0">
+              <a:schemeClr val="phClr">
+                <a:tint val="50000"/>
+                <a:satMod val="300000"/>
+              </a:schemeClr>
+            </a:gs>
+            <a:gs pos="35000">
+              <a:schemeClr val="phClr">
+                <a:tint val="37000"/>
+                <a:satMod val="300000"/>
+              </a:schemeClr>
+            </a:gs>
+            <a:gs pos="100000">
+              <a:schemeClr val="phClr">
+                <a:tint val="15000"/>
+                <a:satMod val="350000"/>
+              </a:schemeClr>
+            </a:gs>
+          </a:gsLst>
+          <a:lin ang="16200000" scaled="1"/>
+        </a:gradFill>
+        <a:gradFill rotWithShape="1">
+          <a:gsLst>
+            <a:gs pos="0">
+              <a:schemeClr val="phClr">
+                <a:tint val="100000"/>
+                <a:shade val="100000"/>
+                <a:satMod val="130000"/>
+              </a:schemeClr>
+            </a:gs>
+            <a:gs pos="100000">
+              <a:schemeClr val="phClr">
+                <a:tint val="50000"/>
+                <a:shade val="100000"/>
+                <a:satMod val="350000"/>
+              </a:schemeClr>
+            </a:gs>
+          </a:gsLst>
+          <a:lin ang="16200000" scaled="0"/>
+        </a:gradFill>
+      </a:fillStyleLst>
+      <a:lnStyleLst>
+        <a:ln w="9525" cap="flat" cmpd="sng" algn="ctr">
+          <a:solidFill>
+            <a:schemeClr val="phClr">
+              <a:shade val="95000"/>
+              <a:satMod val="105000"/>
+            </a:schemeClr>
+          </a:solidFill>
+          <a:prstDash val="solid"/>
+        </a:ln>
+        <a:ln w="25400" cap="flat" cmpd="sng" algn="ctr">
+          <a:solidFill>
+            <a:schemeClr val="phClr"/>
+          </a:solidFill>
+          <a:prstDash val="solid"/>
+        </a:ln>
+        <a:ln w="38100" cap="flat" cmpd="sng" algn="ctr">
+          <a:solidFill>
+            <a:schemeClr val="phClr"/>
+          </a:solidFill>
+          <a:prstDash val="solid"/>
+        </a:ln>
+      </a:lnStyleLst>
+      <a:effectStyleLst>
+        <a:effectStyle>
+          <a:effectLst>
+            <a:outerShdw blurRad="40000" dist="20000" dir="5400000" rotWithShape="0">
+              <a:srgbClr val="000000">
+                <a:alpha val="38000"/>
+              </a:srgbClr>
+            </a:outerShdw>
+          </a:effectLst>
+        </a:effectStyle>
+        <a:effectStyle>
+          <a:effectLst>
+            <a:outerShdw blurRad="40000" dist="23000" dir="5400000" rotWithShape="0">
+              <a:srgbClr val="000000">
+                <a:alpha val="35000"/>
+              </a:srgbClr>
+            </a:outerShdw>
+          </a:effectLst>
+        </a:effectStyle>
+        <a:effectStyle>
+          <a:effectLst>
+            <a:outerShdw blurRad="40000" dist="23000" dir="5400000" rotWithShape="0">
+              <a:srgbClr val="000000">
+                <a:alpha val="35000"/>
+              </a:srgbClr>
+            </a:outerShdw>
+          </a:effectLst>
+          <a:scene3d>
+            <a:camera prst="orthographicFront">
+              <a:rot lat="0" lon="0" rev="0"/>
+            </a:camera>
+            <a:lightRig rig="threePt" dir="t">
+              <a:rot lat="0" lon="0" rev="1200000"/>
+            </a:lightRig>
+          </a:scene3d>
+          <a:sp3d>
+            <a:bevelT w="63500" h="25400"/>
+          </a:sp3d>
+        </a:effectStyle>
+      </a:effectStyleLst>
+      <a:bgFillStyleLst>
+        <a:solidFill>
+          <a:schemeClr val="phClr"/>
+        </a:solidFill>
+        <a:gradFill rotWithShape="1">
+          <a:gsLst>
+            <a:gs pos="0">
+              <a:schemeClr val="phClr">
+                <a:tint val="40000"/>
+                <a:satMod val="350000"/>
+              </a:schemeClr>
+            </a:gs>
+            <a:gs pos="40000">
+              <a:schemeClr val="phClr">
+                <a:tint val="45000"/>
+                <a:shade val="99000"/>
+                <a:satMod val="350000"/>
+              </a:schemeClr>
+            </a:gs>
+            <a:gs pos="100000">
+              <a:schemeClr val="phClr">
+                <a:shade val="20000"/>
+                <a:satMod val="255000"/>
+              </a:schemeClr>
+            </a:gs>
+          </a:gsLst>
+          <a:path path="circle">
+            <a:fillToRect l="50000" t="-80000" r="50000" b="180000"/>
+          </a:path>
+        </a:gradFill>
+        <a:gradFill rotWithShape="1">
+          <a:gsLst>
+            <a:gs pos="0">
+              <a:schemeClr val="phClr">
+                <a:tint val="80000"/>
+                <a:satMod val="300000"/>
+              </a:schemeClr>
+            </a:gs>
+            <a:gs pos="100000">
+              <a:schemeClr val="phClr">
+                <a:shade val="30000"/>
+                <a:satMod val="200000"/>
+              </a:schemeClr>
+            </a:gs>
+          </a:gsLst>
+          <a:path path="circle">
+            <a:fillToRect l="50000" t="50000" r="50000" b="50000"/>
+          </a:path>
+        </a:gradFill>
+      </a:bgFillStyleLst>
+    </a:fmtScheme>
+  </a:themeElements>
+</a:theme>
+</file>
+
+<file path=ppt/theme/theme2.xml><?xml version="1.0" encoding="utf-8"?>
 <a:theme xmlns:a="http://schemas.openxmlformats.org/drawingml/2006/main" xmlns:r="http://schemas.openxmlformats.org/officeDocument/2006/relationships" name="Momentum">
   <a:themeElements>
     <a:clrScheme name="Momentum">
@@ -16138,283 +18291,4 @@
     </a:fmtScheme>
   </a:themeElements>
 </a:theme>
-</file>
-
-<file path=ppt/theme/theme2.xml><?xml version="1.0" encoding="utf-8"?>
-<a:theme xmlns:a="http://schemas.openxmlformats.org/drawingml/2006/main" xmlns:r="http://schemas.openxmlformats.org/officeDocument/2006/relationships">
-  <a:themeElements>
-    <a:clrScheme name="Default">
-      <a:dk1>
-        <a:srgbClr val="000000"/>
-      </a:dk1>
-      <a:lt1>
-        <a:srgbClr val="FFFFFF"/>
-      </a:lt1>
-      <a:dk2>
-        <a:srgbClr val="158158"/>
-      </a:dk2>
-      <a:lt2>
-        <a:srgbClr val="F3F3F3"/>
-      </a:lt2>
-      <a:accent1>
-        <a:srgbClr val="058DC7"/>
-      </a:accent1>
-      <a:accent2>
-        <a:srgbClr val="50B432"/>
-      </a:accent2>
-      <a:accent3>
-        <a:srgbClr val="ED561B"/>
-      </a:accent3>
-      <a:accent4>
-        <a:srgbClr val="EDEF00"/>
-      </a:accent4>
-      <a:accent5>
-        <a:srgbClr val="24CBE5"/>
-      </a:accent5>
-      <a:accent6>
-        <a:srgbClr val="64E572"/>
-      </a:accent6>
-      <a:hlink>
-        <a:srgbClr val="2200CC"/>
-      </a:hlink>
-      <a:folHlink>
-        <a:srgbClr val="551A8B"/>
-      </a:folHlink>
-    </a:clrScheme>
-    <a:fontScheme name="Office">
-      <a:majorFont>
-        <a:latin typeface="Arial"/>
-        <a:ea typeface=""/>
-        <a:cs typeface=""/>
-        <a:font script="Jpan" typeface="ＭＳ Ｐゴシック"/>
-        <a:font script="Hang" typeface="맑은 고딕"/>
-        <a:font script="Hans" typeface="宋体"/>
-        <a:font script="Hant" typeface="新細明體"/>
-        <a:font script="Arab" typeface="Times New Roman"/>
-        <a:font script="Hebr" typeface="Times New Roman"/>
-        <a:font script="Thai" typeface="Angsana New"/>
-        <a:font script="Ethi" typeface="Nyala"/>
-        <a:font script="Beng" typeface="Vrinda"/>
-        <a:font script="Gujr" typeface="Shruti"/>
-        <a:font script="Khmr" typeface="MoolBoran"/>
-        <a:font script="Knda" typeface="Tunga"/>
-        <a:font script="Guru" typeface="Raavi"/>
-        <a:font script="Cans" typeface="Euphemia"/>
-        <a:font script="Cher" typeface="Plantagenet Cherokee"/>
-        <a:font script="Yiii" typeface="Microsoft Yi Baiti"/>
-        <a:font script="Tibt" typeface="Microsoft Himalaya"/>
-        <a:font script="Thaa" typeface="MV Boli"/>
-        <a:font script="Deva" typeface="Mangal"/>
-        <a:font script="Telu" typeface="Gautami"/>
-        <a:font script="Taml" typeface="Latha"/>
-        <a:font script="Syrc" typeface="Estrangelo Edessa"/>
-        <a:font script="Orya" typeface="Kalinga"/>
-        <a:font script="Mlym" typeface="Kartika"/>
-        <a:font script="Laoo" typeface="DokChampa"/>
-        <a:font script="Sinh" typeface="Iskoola Pota"/>
-        <a:font script="Mong" typeface="Mongolian Baiti"/>
-        <a:font script="Viet" typeface="Times New Roman"/>
-        <a:font script="Uigh" typeface="Microsoft Uighur"/>
-        <a:font script="Geor" typeface="Sylfaen"/>
-      </a:majorFont>
-      <a:minorFont>
-        <a:latin typeface="Arial"/>
-        <a:ea typeface=""/>
-        <a:cs typeface=""/>
-        <a:font script="Jpan" typeface="ＭＳ Ｐゴシック"/>
-        <a:font script="Hang" typeface="맑은 고딕"/>
-        <a:font script="Hans" typeface="宋体"/>
-        <a:font script="Hant" typeface="新細明體"/>
-        <a:font script="Arab" typeface="Arial"/>
-        <a:font script="Hebr" typeface="Arial"/>
-        <a:font script="Thai" typeface="Cordia New"/>
-        <a:font script="Ethi" typeface="Nyala"/>
-        <a:font script="Beng" typeface="Vrinda"/>
-        <a:font script="Gujr" typeface="Shruti"/>
-        <a:font script="Khmr" typeface="DaunPenh"/>
-        <a:font script="Knda" typeface="Tunga"/>
-        <a:font script="Guru" typeface="Raavi"/>
-        <a:font script="Cans" typeface="Euphemia"/>
-        <a:font script="Cher" typeface="Plantagenet Cherokee"/>
-        <a:font script="Yiii" typeface="Microsoft Yi Baiti"/>
-        <a:font script="Tibt" typeface="Microsoft Himalaya"/>
-        <a:font script="Thaa" typeface="MV Boli"/>
-        <a:font script="Deva" typeface="Mangal"/>
-        <a:font script="Telu" typeface="Gautami"/>
-        <a:font script="Taml" typeface="Latha"/>
-        <a:font script="Syrc" typeface="Estrangelo Edessa"/>
-        <a:font script="Orya" typeface="Kalinga"/>
-        <a:font script="Mlym" typeface="Kartika"/>
-        <a:font script="Laoo" typeface="DokChampa"/>
-        <a:font script="Sinh" typeface="Iskoola Pota"/>
-        <a:font script="Mong" typeface="Mongolian Baiti"/>
-        <a:font script="Viet" typeface="Arial"/>
-        <a:font script="Uigh" typeface="Microsoft Uighur"/>
-        <a:font script="Geor" typeface="Sylfaen"/>
-      </a:minorFont>
-    </a:fontScheme>
-    <a:fmtScheme name="Office">
-      <a:fillStyleLst>
-        <a:solidFill>
-          <a:schemeClr val="phClr"/>
-        </a:solidFill>
-        <a:gradFill rotWithShape="1">
-          <a:gsLst>
-            <a:gs pos="0">
-              <a:schemeClr val="phClr">
-                <a:tint val="50000"/>
-                <a:satMod val="300000"/>
-              </a:schemeClr>
-            </a:gs>
-            <a:gs pos="35000">
-              <a:schemeClr val="phClr">
-                <a:tint val="37000"/>
-                <a:satMod val="300000"/>
-              </a:schemeClr>
-            </a:gs>
-            <a:gs pos="100000">
-              <a:schemeClr val="phClr">
-                <a:tint val="15000"/>
-                <a:satMod val="350000"/>
-              </a:schemeClr>
-            </a:gs>
-          </a:gsLst>
-          <a:lin ang="16200000" scaled="1"/>
-        </a:gradFill>
-        <a:gradFill rotWithShape="1">
-          <a:gsLst>
-            <a:gs pos="0">
-              <a:schemeClr val="phClr">
-                <a:tint val="100000"/>
-                <a:shade val="100000"/>
-                <a:satMod val="130000"/>
-              </a:schemeClr>
-            </a:gs>
-            <a:gs pos="100000">
-              <a:schemeClr val="phClr">
-                <a:tint val="50000"/>
-                <a:shade val="100000"/>
-                <a:satMod val="350000"/>
-              </a:schemeClr>
-            </a:gs>
-          </a:gsLst>
-          <a:lin ang="16200000" scaled="0"/>
-        </a:gradFill>
-      </a:fillStyleLst>
-      <a:lnStyleLst>
-        <a:ln w="9525" cap="flat" cmpd="sng" algn="ctr">
-          <a:solidFill>
-            <a:schemeClr val="phClr">
-              <a:shade val="95000"/>
-              <a:satMod val="105000"/>
-            </a:schemeClr>
-          </a:solidFill>
-          <a:prstDash val="solid"/>
-        </a:ln>
-        <a:ln w="25400" cap="flat" cmpd="sng" algn="ctr">
-          <a:solidFill>
-            <a:schemeClr val="phClr"/>
-          </a:solidFill>
-          <a:prstDash val="solid"/>
-        </a:ln>
-        <a:ln w="38100" cap="flat" cmpd="sng" algn="ctr">
-          <a:solidFill>
-            <a:schemeClr val="phClr"/>
-          </a:solidFill>
-          <a:prstDash val="solid"/>
-        </a:ln>
-      </a:lnStyleLst>
-      <a:effectStyleLst>
-        <a:effectStyle>
-          <a:effectLst>
-            <a:outerShdw blurRad="40000" dist="20000" dir="5400000" rotWithShape="0">
-              <a:srgbClr val="000000">
-                <a:alpha val="38000"/>
-              </a:srgbClr>
-            </a:outerShdw>
-          </a:effectLst>
-        </a:effectStyle>
-        <a:effectStyle>
-          <a:effectLst>
-            <a:outerShdw blurRad="40000" dist="23000" dir="5400000" rotWithShape="0">
-              <a:srgbClr val="000000">
-                <a:alpha val="35000"/>
-              </a:srgbClr>
-            </a:outerShdw>
-          </a:effectLst>
-        </a:effectStyle>
-        <a:effectStyle>
-          <a:effectLst>
-            <a:outerShdw blurRad="40000" dist="23000" dir="5400000" rotWithShape="0">
-              <a:srgbClr val="000000">
-                <a:alpha val="35000"/>
-              </a:srgbClr>
-            </a:outerShdw>
-          </a:effectLst>
-          <a:scene3d>
-            <a:camera prst="orthographicFront">
-              <a:rot lat="0" lon="0" rev="0"/>
-            </a:camera>
-            <a:lightRig rig="threePt" dir="t">
-              <a:rot lat="0" lon="0" rev="1200000"/>
-            </a:lightRig>
-          </a:scene3d>
-          <a:sp3d>
-            <a:bevelT w="63500" h="25400"/>
-          </a:sp3d>
-        </a:effectStyle>
-      </a:effectStyleLst>
-      <a:bgFillStyleLst>
-        <a:solidFill>
-          <a:schemeClr val="phClr"/>
-        </a:solidFill>
-        <a:gradFill rotWithShape="1">
-          <a:gsLst>
-            <a:gs pos="0">
-              <a:schemeClr val="phClr">
-                <a:tint val="40000"/>
-                <a:satMod val="350000"/>
-              </a:schemeClr>
-            </a:gs>
-            <a:gs pos="40000">
-              <a:schemeClr val="phClr">
-                <a:tint val="45000"/>
-                <a:shade val="99000"/>
-                <a:satMod val="350000"/>
-              </a:schemeClr>
-            </a:gs>
-            <a:gs pos="100000">
-              <a:schemeClr val="phClr">
-                <a:shade val="20000"/>
-                <a:satMod val="255000"/>
-              </a:schemeClr>
-            </a:gs>
-          </a:gsLst>
-          <a:path path="circle">
-            <a:fillToRect l="50000" t="-80000" r="50000" b="180000"/>
-          </a:path>
-        </a:gradFill>
-        <a:gradFill rotWithShape="1">
-          <a:gsLst>
-            <a:gs pos="0">
-              <a:schemeClr val="phClr">
-                <a:tint val="80000"/>
-                <a:satMod val="300000"/>
-              </a:schemeClr>
-            </a:gs>
-            <a:gs pos="100000">
-              <a:schemeClr val="phClr">
-                <a:shade val="30000"/>
-                <a:satMod val="200000"/>
-              </a:schemeClr>
-            </a:gs>
-          </a:gsLst>
-          <a:path path="circle">
-            <a:fillToRect l="50000" t="50000" r="50000" b="50000"/>
-          </a:path>
-        </a:gradFill>
-      </a:bgFillStyleLst>
-    </a:fmtScheme>
-  </a:themeElements>
-</a:theme>
 </file>